--- a/PPTs/SIH Presentation Template.pptx
+++ b/PPTs/SIH Presentation Template.pptx
@@ -1,26 +1,26 @@
 
 <file path=ppt/presentation.xml><?xml version="1.0" encoding="utf-8"?>
-<p:presentation xmlns:a="http://schemas.openxmlformats.org/drawingml/2006/main" xmlns:r="http://schemas.openxmlformats.org/officeDocument/2006/relationships" xmlns:p="http://schemas.openxmlformats.org/presentationml/2006/main" xmlns:m="http://schemas.openxmlformats.org/officeDocument/2006/math" xmlns:a14="http://schemas.microsoft.com/office/drawing/2010/main">
+<p:presentation xmlns:a="http://schemas.openxmlformats.org/drawingml/2006/main" xmlns:r="http://schemas.openxmlformats.org/officeDocument/2006/relationships" xmlns:p="http://schemas.openxmlformats.org/presentationml/2006/main">
   <p:sldMasterIdLst>
-    <p:sldMasterId id="2147483648" r:id="rId5"/>
+    <p:sldMasterId id="2147483648" r:id="rId1"/>
   </p:sldMasterIdLst>
   <p:notesMasterIdLst>
-    <p:notesMasterId r:id="rId7"/>
+    <p:notesMasterId r:id="rId15"/>
   </p:notesMasterIdLst>
   <p:sldIdLst>
-    <p:sldId id="256" r:id="rId8"/>
-    <p:sldId id="257" r:id="rId9"/>
-    <p:sldId id="258" r:id="rId10"/>
-    <p:sldId id="259" r:id="rId11"/>
-    <p:sldId id="260" r:id="rId12"/>
-    <p:sldId id="261" r:id="rId13"/>
-    <p:sldId id="262" r:id="rId14"/>
-    <p:sldId id="263" r:id="rId15"/>
-    <p:sldId id="264" r:id="rId16"/>
-    <p:sldId id="265" r:id="rId17"/>
-    <p:sldId id="266" r:id="rId18"/>
-    <p:sldId id="267" r:id="rId19"/>
-    <p:sldId id="268" r:id="rId20"/>
+    <p:sldId id="256" r:id="rId2"/>
+    <p:sldId id="257" r:id="rId3"/>
+    <p:sldId id="258" r:id="rId4"/>
+    <p:sldId id="259" r:id="rId5"/>
+    <p:sldId id="260" r:id="rId6"/>
+    <p:sldId id="261" r:id="rId7"/>
+    <p:sldId id="262" r:id="rId8"/>
+    <p:sldId id="263" r:id="rId9"/>
+    <p:sldId id="264" r:id="rId10"/>
+    <p:sldId id="265" r:id="rId11"/>
+    <p:sldId id="266" r:id="rId12"/>
+    <p:sldId id="267" r:id="rId13"/>
+    <p:sldId id="268" r:id="rId14"/>
   </p:sldIdLst>
   <p:sldSz cx="24384000" cy="13716000"/>
   <p:notesSz cx="6858000" cy="9144000"/>
@@ -40,7 +40,7 @@
       <a:buFontTx/>
       <a:buNone/>
       <a:tabLst/>
-      <a:defRPr b="0" baseline="0" cap="none" i="0" spc="0" strike="noStrike" sz="1800" u="none" kumimoji="0" normalizeH="0">
+      <a:defRPr kumimoji="0" sz="1800" b="0" i="0" u="none" strike="noStrike" cap="none" spc="0" normalizeH="0" baseline="0">
         <a:ln>
           <a:noFill/>
         </a:ln>
@@ -66,7 +66,7 @@
       <a:buFontTx/>
       <a:buNone/>
       <a:tabLst/>
-      <a:defRPr b="0" baseline="0" cap="none" i="0" spc="0" strike="noStrike" sz="3200" u="none" kumimoji="0" normalizeH="0">
+      <a:defRPr kumimoji="0" sz="3200" b="0" i="0" u="none" strike="noStrike" cap="none" spc="0" normalizeH="0" baseline="0">
         <a:ln>
           <a:noFill/>
         </a:ln>
@@ -96,7 +96,7 @@
       <a:buFontTx/>
       <a:buNone/>
       <a:tabLst/>
-      <a:defRPr b="0" baseline="0" cap="none" i="0" spc="0" strike="noStrike" sz="3200" u="none" kumimoji="0" normalizeH="0">
+      <a:defRPr kumimoji="0" sz="3200" b="0" i="0" u="none" strike="noStrike" cap="none" spc="0" normalizeH="0" baseline="0">
         <a:ln>
           <a:noFill/>
         </a:ln>
@@ -126,7 +126,7 @@
       <a:buFontTx/>
       <a:buNone/>
       <a:tabLst/>
-      <a:defRPr b="0" baseline="0" cap="none" i="0" spc="0" strike="noStrike" sz="3200" u="none" kumimoji="0" normalizeH="0">
+      <a:defRPr kumimoji="0" sz="3200" b="0" i="0" u="none" strike="noStrike" cap="none" spc="0" normalizeH="0" baseline="0">
         <a:ln>
           <a:noFill/>
         </a:ln>
@@ -156,7 +156,7 @@
       <a:buFontTx/>
       <a:buNone/>
       <a:tabLst/>
-      <a:defRPr b="0" baseline="0" cap="none" i="0" spc="0" strike="noStrike" sz="3200" u="none" kumimoji="0" normalizeH="0">
+      <a:defRPr kumimoji="0" sz="3200" b="0" i="0" u="none" strike="noStrike" cap="none" spc="0" normalizeH="0" baseline="0">
         <a:ln>
           <a:noFill/>
         </a:ln>
@@ -186,7 +186,7 @@
       <a:buFontTx/>
       <a:buNone/>
       <a:tabLst/>
-      <a:defRPr b="0" baseline="0" cap="none" i="0" spc="0" strike="noStrike" sz="3200" u="none" kumimoji="0" normalizeH="0">
+      <a:defRPr kumimoji="0" sz="3200" b="0" i="0" u="none" strike="noStrike" cap="none" spc="0" normalizeH="0" baseline="0">
         <a:ln>
           <a:noFill/>
         </a:ln>
@@ -216,7 +216,7 @@
       <a:buFontTx/>
       <a:buNone/>
       <a:tabLst/>
-      <a:defRPr b="0" baseline="0" cap="none" i="0" spc="0" strike="noStrike" sz="3200" u="none" kumimoji="0" normalizeH="0">
+      <a:defRPr kumimoji="0" sz="3200" b="0" i="0" u="none" strike="noStrike" cap="none" spc="0" normalizeH="0" baseline="0">
         <a:ln>
           <a:noFill/>
         </a:ln>
@@ -246,7 +246,7 @@
       <a:buFontTx/>
       <a:buNone/>
       <a:tabLst/>
-      <a:defRPr b="0" baseline="0" cap="none" i="0" spc="0" strike="noStrike" sz="3200" u="none" kumimoji="0" normalizeH="0">
+      <a:defRPr kumimoji="0" sz="3200" b="0" i="0" u="none" strike="noStrike" cap="none" spc="0" normalizeH="0" baseline="0">
         <a:ln>
           <a:noFill/>
         </a:ln>
@@ -276,7 +276,7 @@
       <a:buFontTx/>
       <a:buNone/>
       <a:tabLst/>
-      <a:defRPr b="0" baseline="0" cap="none" i="0" spc="0" strike="noStrike" sz="3200" u="none" kumimoji="0" normalizeH="0">
+      <a:defRPr kumimoji="0" sz="3200" b="0" i="0" u="none" strike="noStrike" cap="none" spc="0" normalizeH="0" baseline="0">
         <a:ln>
           <a:noFill/>
         </a:ln>
@@ -306,7 +306,7 @@
       <a:buFontTx/>
       <a:buNone/>
       <a:tabLst/>
-      <a:defRPr b="0" baseline="0" cap="none" i="0" spc="0" strike="noStrike" sz="3200" u="none" kumimoji="0" normalizeH="0">
+      <a:defRPr kumimoji="0" sz="3200" b="0" i="0" u="none" strike="noStrike" cap="none" spc="0" normalizeH="0" baseline="0">
         <a:ln>
           <a:noFill/>
         </a:ln>
@@ -325,13 +325,14 @@
 </p:presentation>
 </file>
 
-<file path=ppt/commentAuthors.xml><?xml version="1.0" encoding="utf-8"?>
-<p:cmAuthorLst xmlns:a="http://schemas.openxmlformats.org/drawingml/2006/main" xmlns:r="http://schemas.openxmlformats.org/officeDocument/2006/relationships" xmlns:p="http://schemas.openxmlformats.org/presentationml/2006/main" xmlns:m="http://schemas.openxmlformats.org/officeDocument/2006/math" xmlns:a14="http://schemas.microsoft.com/office/drawing/2010/main"/>
-</file>
-
 <file path=ppt/notesMasters/notesMaster1.xml><?xml version="1.0" encoding="utf-8"?>
-<p:notesMaster xmlns:a="http://schemas.openxmlformats.org/drawingml/2006/main" xmlns:r="http://schemas.openxmlformats.org/officeDocument/2006/relationships" xmlns:p="http://schemas.openxmlformats.org/presentationml/2006/main" xmlns:m="http://schemas.openxmlformats.org/officeDocument/2006/math" xmlns:a14="http://schemas.microsoft.com/office/drawing/2010/main">
+<p:notesMaster xmlns:a="http://schemas.openxmlformats.org/drawingml/2006/main" xmlns:r="http://schemas.openxmlformats.org/officeDocument/2006/relationships" xmlns:p="http://schemas.openxmlformats.org/presentationml/2006/main">
   <p:cSld>
+    <p:bg>
+      <p:bgRef idx="1001">
+        <a:schemeClr val="bg1"/>
+      </p:bgRef>
+    </p:bg>
     <p:spTree>
       <p:nvGrpSpPr>
         <p:cNvPr id="1" name=""/>
@@ -349,7 +350,9 @@
       <p:sp>
         <p:nvSpPr>
           <p:cNvPr id="134" name="Shape 134"/>
-          <p:cNvSpPr/>
+          <p:cNvSpPr>
+            <a:spLocks noGrp="1" noRot="1" noChangeAspect="1"/>
+          </p:cNvSpPr>
           <p:nvPr>
             <p:ph type="sldImg"/>
           </p:nvPr>
@@ -367,14 +370,16 @@
           <a:bodyPr/>
           <a:lstStyle/>
           <a:p>
-            <a:pPr/>
+            <a:endParaRPr/>
           </a:p>
         </p:txBody>
       </p:sp>
       <p:sp>
         <p:nvSpPr>
           <p:cNvPr id="135" name="Shape 135"/>
-          <p:cNvSpPr/>
+          <p:cNvSpPr>
+            <a:spLocks noGrp="1"/>
+          </p:cNvSpPr>
           <p:nvPr>
             <p:ph type="body" sz="quarter" idx="1"/>
           </p:nvPr>
@@ -392,7 +397,7 @@
           <a:bodyPr/>
           <a:lstStyle/>
           <a:p>
-            <a:pPr/>
+            <a:endParaRPr/>
           </a:p>
         </p:txBody>
       </p:sp>
@@ -504,7 +509,7 @@
 </file>
 
 <file path=ppt/notesSlides/notesSlide1.xml><?xml version="1.0" encoding="utf-8"?>
-<p:notes xmlns:a="http://schemas.openxmlformats.org/drawingml/2006/main" xmlns:r="http://schemas.openxmlformats.org/officeDocument/2006/relationships" xmlns:p="http://schemas.openxmlformats.org/presentationml/2006/main" xmlns:m="http://schemas.openxmlformats.org/officeDocument/2006/math" xmlns:a14="http://schemas.microsoft.com/office/drawing/2010/main" showMasterSp="1" showMasterPhAnim="1">
+<p:notes xmlns:a="http://schemas.openxmlformats.org/drawingml/2006/main" xmlns:r="http://schemas.openxmlformats.org/officeDocument/2006/relationships" xmlns:p="http://schemas.openxmlformats.org/presentationml/2006/main">
   <p:cSld>
     <p:spTree>
       <p:nvGrpSpPr>
@@ -523,7 +528,9 @@
       <p:sp>
         <p:nvSpPr>
           <p:cNvPr id="154" name="Shape 154"/>
-          <p:cNvSpPr/>
+          <p:cNvSpPr>
+            <a:spLocks noGrp="1" noRot="1" noChangeAspect="1"/>
+          </p:cNvSpPr>
           <p:nvPr>
             <p:ph type="sldImg"/>
           </p:nvPr>
@@ -537,14 +544,16 @@
           <a:bodyPr/>
           <a:lstStyle/>
           <a:p>
-            <a:pPr/>
+            <a:endParaRPr/>
           </a:p>
         </p:txBody>
       </p:sp>
       <p:sp>
         <p:nvSpPr>
           <p:cNvPr id="155" name="Shape 155"/>
-          <p:cNvSpPr/>
+          <p:cNvSpPr>
+            <a:spLocks noGrp="1"/>
+          </p:cNvSpPr>
           <p:nvPr>
             <p:ph type="body" sz="quarter" idx="1"/>
           </p:nvPr>
@@ -567,7 +576,6 @@
             </a:lvl1pPr>
           </a:lstStyle>
           <a:p>
-            <a:pPr/>
             <a:r>
               <a:t>Goto market- Timeline</a:t>
             </a:r>
@@ -583,17 +591,18 @@
 </file>
 
 <file path=ppt/slideLayouts/slideLayout1.xml><?xml version="1.0" encoding="utf-8"?>
-<p:sldLayout xmlns:a="http://schemas.openxmlformats.org/drawingml/2006/main" xmlns:r="http://schemas.openxmlformats.org/officeDocument/2006/relationships" xmlns:p="http://schemas.openxmlformats.org/presentationml/2006/main" xmlns:m="http://schemas.openxmlformats.org/officeDocument/2006/math" xmlns:a14="http://schemas.microsoft.com/office/drawing/2010/main" type="title" showMasterSp="0" showMasterPhAnim="1">
+<p:sldLayout xmlns:a="http://schemas.openxmlformats.org/drawingml/2006/main" xmlns:r="http://schemas.openxmlformats.org/officeDocument/2006/relationships" xmlns:p="http://schemas.openxmlformats.org/presentationml/2006/main" showMasterSp="0" type="title">
   <p:cSld name="Title &amp; Subtitle">
     <p:bg>
       <p:bgPr>
         <a:blipFill rotWithShape="1">
           <a:blip r:embed="rId2"/>
-          <a:srcRect l="0" t="0" r="0" b="0"/>
+          <a:srcRect/>
           <a:stretch>
             <a:fillRect/>
           </a:stretch>
         </a:blipFill>
+        <a:effectLst/>
       </p:bgPr>
     </p:bg>
     <p:spTree>
@@ -648,6 +657,7 @@
                 <a:sym typeface="Helvetica"/>
               </a:defRPr>
             </a:pPr>
+            <a:endParaRPr/>
           </a:p>
         </p:txBody>
       </p:sp>
@@ -689,6 +699,7 @@
                 <a:sym typeface="Helvetica"/>
               </a:defRPr>
             </a:pPr>
+            <a:endParaRPr/>
           </a:p>
         </p:txBody>
       </p:sp>
@@ -730,13 +741,16 @@
                 <a:sym typeface="Helvetica"/>
               </a:defRPr>
             </a:pPr>
+            <a:endParaRPr/>
           </a:p>
         </p:txBody>
       </p:sp>
       <p:sp>
         <p:nvSpPr>
           <p:cNvPr id="16" name="Lorem Ipsum Dolor"/>
-          <p:cNvSpPr txBox="1"/>
+          <p:cNvSpPr txBox="1">
+            <a:spLocks noGrp="1"/>
+          </p:cNvSpPr>
           <p:nvPr>
             <p:ph type="body" sz="quarter" idx="21"/>
           </p:nvPr>
@@ -766,11 +780,10 @@
               <a:buSzTx/>
               <a:buFontTx/>
               <a:buNone/>
-              <a:defRPr i="1" sz="3200"/>
+              <a:defRPr sz="3200" i="1"/>
             </a:lvl1pPr>
           </a:lstStyle>
           <a:p>
-            <a:pPr/>
             <a:r>
               <a:t>Lorem Ipsum Dolor</a:t>
             </a:r>
@@ -780,7 +793,9 @@
       <p:sp>
         <p:nvSpPr>
           <p:cNvPr id="17" name="Title Text"/>
-          <p:cNvSpPr txBox="1"/>
+          <p:cNvSpPr txBox="1">
+            <a:spLocks noGrp="1"/>
+          </p:cNvSpPr>
           <p:nvPr>
             <p:ph type="title"/>
           </p:nvPr>
@@ -800,7 +815,6 @@
             <a:lvl1pPr algn="l"/>
           </a:lstStyle>
           <a:p>
-            <a:pPr/>
             <a:r>
               <a:t>Title Text</a:t>
             </a:r>
@@ -810,7 +824,9 @@
       <p:sp>
         <p:nvSpPr>
           <p:cNvPr id="18" name="Body Level One…"/>
-          <p:cNvSpPr txBox="1"/>
+          <p:cNvSpPr txBox="1">
+            <a:spLocks noGrp="1"/>
+          </p:cNvSpPr>
           <p:nvPr>
             <p:ph type="body" sz="quarter" idx="1"/>
           </p:nvPr>
@@ -879,7 +895,6 @@
             </a:lvl5pPr>
           </a:lstStyle>
           <a:p>
-            <a:pPr/>
             <a:r>
               <a:t>Body Level One</a:t>
             </a:r>
@@ -913,7 +928,9 @@
       <p:sp>
         <p:nvSpPr>
           <p:cNvPr id="19" name="Slide Number"/>
-          <p:cNvSpPr txBox="1"/>
+          <p:cNvSpPr txBox="1">
+            <a:spLocks noGrp="1"/>
+          </p:cNvSpPr>
           <p:nvPr>
             <p:ph type="sldNum" sz="quarter" idx="2"/>
           </p:nvPr>
@@ -927,8 +944,10 @@
           <a:bodyPr/>
           <a:lstStyle/>
           <a:p>
-            <a:pPr/>
-            <a:fld id="{86CB4B4D-7CA3-9044-876B-883B54F8677D}" type="slidenum"/>
+            <a:fld id="{86CB4B4D-7CA3-9044-876B-883B54F8677D}" type="slidenum">
+              <a:t>‹#›</a:t>
+            </a:fld>
+            <a:endParaRPr/>
           </a:p>
         </p:txBody>
       </p:sp>
@@ -937,12 +956,12 @@
   <p:clrMapOvr>
     <a:masterClrMapping/>
   </p:clrMapOvr>
-  <p:transition xmlns:p14="http://schemas.microsoft.com/office/powerpoint/2010/main" spd="med" advClick="1"/>
+  <p:transition spd="med"/>
 </p:sldLayout>
 </file>
 
 <file path=ppt/slideLayouts/slideLayout10.xml><?xml version="1.0" encoding="utf-8"?>
-<p:sldLayout xmlns:a="http://schemas.openxmlformats.org/drawingml/2006/main" xmlns:r="http://schemas.openxmlformats.org/officeDocument/2006/relationships" xmlns:p="http://schemas.openxmlformats.org/presentationml/2006/main" xmlns:m="http://schemas.openxmlformats.org/officeDocument/2006/math" xmlns:a14="http://schemas.microsoft.com/office/drawing/2010/main" type="tx" showMasterSp="0" showMasterPhAnim="1">
+<p:sldLayout xmlns:a="http://schemas.openxmlformats.org/drawingml/2006/main" xmlns:r="http://schemas.openxmlformats.org/officeDocument/2006/relationships" xmlns:p="http://schemas.openxmlformats.org/presentationml/2006/main" showMasterSp="0" type="tx">
   <p:cSld name="Quote">
     <p:spTree>
       <p:nvGrpSpPr>
@@ -961,7 +980,9 @@
       <p:sp>
         <p:nvSpPr>
           <p:cNvPr id="111" name="–Johnny Appleseed"/>
-          <p:cNvSpPr txBox="1"/>
+          <p:cNvSpPr txBox="1">
+            <a:spLocks noGrp="1"/>
+          </p:cNvSpPr>
           <p:nvPr>
             <p:ph type="body" sz="quarter" idx="21"/>
           </p:nvPr>
@@ -988,11 +1009,10 @@
               <a:buSzTx/>
               <a:buFontTx/>
               <a:buNone/>
-              <a:defRPr i="1" sz="4200"/>
+              <a:defRPr sz="4200" i="1"/>
             </a:lvl1pPr>
           </a:lstStyle>
           <a:p>
-            <a:pPr/>
             <a:r>
               <a:t>–Johnny Appleseed</a:t>
             </a:r>
@@ -1002,7 +1022,9 @@
       <p:sp>
         <p:nvSpPr>
           <p:cNvPr id="112" name="“Type a quote here.”"/>
-          <p:cNvSpPr txBox="1"/>
+          <p:cNvSpPr txBox="1">
+            <a:spLocks noGrp="1"/>
+          </p:cNvSpPr>
           <p:nvPr>
             <p:ph type="body" sz="quarter" idx="22"/>
           </p:nvPr>
@@ -1032,7 +1054,6 @@
             </a:lvl1pPr>
           </a:lstStyle>
           <a:p>
-            <a:pPr/>
             <a:r>
               <a:t>“Type a quote here.” </a:t>
             </a:r>
@@ -1042,7 +1063,9 @@
       <p:sp>
         <p:nvSpPr>
           <p:cNvPr id="113" name="Slide Number"/>
-          <p:cNvSpPr txBox="1"/>
+          <p:cNvSpPr txBox="1">
+            <a:spLocks noGrp="1"/>
+          </p:cNvSpPr>
           <p:nvPr>
             <p:ph type="sldNum" sz="quarter" idx="2"/>
           </p:nvPr>
@@ -1056,8 +1079,10 @@
           <a:bodyPr/>
           <a:lstStyle/>
           <a:p>
-            <a:pPr/>
-            <a:fld id="{86CB4B4D-7CA3-9044-876B-883B54F8677D}" type="slidenum"/>
+            <a:fld id="{86CB4B4D-7CA3-9044-876B-883B54F8677D}" type="slidenum">
+              <a:t>‹#›</a:t>
+            </a:fld>
+            <a:endParaRPr/>
           </a:p>
         </p:txBody>
       </p:sp>
@@ -1066,12 +1091,12 @@
   <p:clrMapOvr>
     <a:masterClrMapping/>
   </p:clrMapOvr>
-  <p:transition xmlns:p14="http://schemas.microsoft.com/office/powerpoint/2010/main" spd="med" advClick="1"/>
+  <p:transition spd="med"/>
 </p:sldLayout>
 </file>
 
 <file path=ppt/slideLayouts/slideLayout11.xml><?xml version="1.0" encoding="utf-8"?>
-<p:sldLayout xmlns:a="http://schemas.openxmlformats.org/drawingml/2006/main" xmlns:r="http://schemas.openxmlformats.org/officeDocument/2006/relationships" xmlns:p="http://schemas.openxmlformats.org/presentationml/2006/main" xmlns:m="http://schemas.openxmlformats.org/officeDocument/2006/math" xmlns:a14="http://schemas.microsoft.com/office/drawing/2010/main" type="tx" showMasterSp="0" showMasterPhAnim="1">
+<p:sldLayout xmlns:a="http://schemas.openxmlformats.org/drawingml/2006/main" xmlns:r="http://schemas.openxmlformats.org/officeDocument/2006/relationships" xmlns:p="http://schemas.openxmlformats.org/presentationml/2006/main" showMasterSp="0" type="tx">
   <p:cSld name="Photo">
     <p:spTree>
       <p:nvGrpSpPr>
@@ -1090,7 +1115,9 @@
       <p:sp>
         <p:nvSpPr>
           <p:cNvPr id="120" name="Black and white photo looking up at the suspension cables of a bridge with clouds in the background"/>
-          <p:cNvSpPr/>
+          <p:cNvSpPr>
+            <a:spLocks noGrp="1"/>
+          </p:cNvSpPr>
           <p:nvPr>
             <p:ph type="pic" idx="21"/>
           </p:nvPr>
@@ -1110,14 +1137,16 @@
           </a:bodyPr>
           <a:lstStyle/>
           <a:p>
-            <a:pPr/>
+            <a:endParaRPr/>
           </a:p>
         </p:txBody>
       </p:sp>
       <p:sp>
         <p:nvSpPr>
           <p:cNvPr id="121" name="Slide Number"/>
-          <p:cNvSpPr txBox="1"/>
+          <p:cNvSpPr txBox="1">
+            <a:spLocks noGrp="1"/>
+          </p:cNvSpPr>
           <p:nvPr>
             <p:ph type="sldNum" sz="quarter" idx="2"/>
           </p:nvPr>
@@ -1131,8 +1160,10 @@
           <a:bodyPr/>
           <a:lstStyle/>
           <a:p>
-            <a:pPr/>
-            <a:fld id="{86CB4B4D-7CA3-9044-876B-883B54F8677D}" type="slidenum"/>
+            <a:fld id="{86CB4B4D-7CA3-9044-876B-883B54F8677D}" type="slidenum">
+              <a:t>‹#›</a:t>
+            </a:fld>
+            <a:endParaRPr/>
           </a:p>
         </p:txBody>
       </p:sp>
@@ -1141,12 +1172,12 @@
   <p:clrMapOvr>
     <a:masterClrMapping/>
   </p:clrMapOvr>
-  <p:transition xmlns:p14="http://schemas.microsoft.com/office/powerpoint/2010/main" spd="med" advClick="1"/>
+  <p:transition spd="med"/>
 </p:sldLayout>
 </file>
 
 <file path=ppt/slideLayouts/slideLayout12.xml><?xml version="1.0" encoding="utf-8"?>
-<p:sldLayout xmlns:a="http://schemas.openxmlformats.org/drawingml/2006/main" xmlns:r="http://schemas.openxmlformats.org/officeDocument/2006/relationships" xmlns:p="http://schemas.openxmlformats.org/presentationml/2006/main" xmlns:m="http://schemas.openxmlformats.org/officeDocument/2006/math" xmlns:a14="http://schemas.microsoft.com/office/drawing/2010/main" type="tx" showMasterSp="0" showMasterPhAnim="1">
+<p:sldLayout xmlns:a="http://schemas.openxmlformats.org/drawingml/2006/main" xmlns:r="http://schemas.openxmlformats.org/officeDocument/2006/relationships" xmlns:p="http://schemas.openxmlformats.org/presentationml/2006/main" showMasterSp="0" type="tx">
   <p:cSld name="Blank">
     <p:spTree>
       <p:nvGrpSpPr>
@@ -1165,7 +1196,9 @@
       <p:sp>
         <p:nvSpPr>
           <p:cNvPr id="128" name="Slide Number"/>
-          <p:cNvSpPr txBox="1"/>
+          <p:cNvSpPr txBox="1">
+            <a:spLocks noGrp="1"/>
+          </p:cNvSpPr>
           <p:nvPr>
             <p:ph type="sldNum" sz="quarter" idx="2"/>
           </p:nvPr>
@@ -1179,8 +1212,10 @@
           <a:bodyPr/>
           <a:lstStyle/>
           <a:p>
-            <a:pPr/>
-            <a:fld id="{86CB4B4D-7CA3-9044-876B-883B54F8677D}" type="slidenum"/>
+            <a:fld id="{86CB4B4D-7CA3-9044-876B-883B54F8677D}" type="slidenum">
+              <a:t>‹#›</a:t>
+            </a:fld>
+            <a:endParaRPr/>
           </a:p>
         </p:txBody>
       </p:sp>
@@ -1189,12 +1224,12 @@
   <p:clrMapOvr>
     <a:masterClrMapping/>
   </p:clrMapOvr>
-  <p:transition xmlns:p14="http://schemas.microsoft.com/office/powerpoint/2010/main" spd="med" advClick="1"/>
+  <p:transition spd="med"/>
 </p:sldLayout>
 </file>
 
 <file path=ppt/slideLayouts/slideLayout2.xml><?xml version="1.0" encoding="utf-8"?>
-<p:sldLayout xmlns:a="http://schemas.openxmlformats.org/drawingml/2006/main" xmlns:r="http://schemas.openxmlformats.org/officeDocument/2006/relationships" xmlns:p="http://schemas.openxmlformats.org/presentationml/2006/main" xmlns:m="http://schemas.openxmlformats.org/officeDocument/2006/math" xmlns:a14="http://schemas.microsoft.com/office/drawing/2010/main" type="tx" showMasterSp="0" showMasterPhAnim="1">
+<p:sldLayout xmlns:a="http://schemas.openxmlformats.org/drawingml/2006/main" xmlns:r="http://schemas.openxmlformats.org/officeDocument/2006/relationships" xmlns:p="http://schemas.openxmlformats.org/presentationml/2006/main" showMasterSp="0" type="tx">
   <p:cSld name="Photo - Horizontal">
     <p:spTree>
       <p:nvGrpSpPr>
@@ -1248,6 +1283,7 @@
                 <a:sym typeface="Helvetica"/>
               </a:defRPr>
             </a:pPr>
+            <a:endParaRPr/>
           </a:p>
         </p:txBody>
       </p:sp>
@@ -1289,6 +1325,7 @@
                 <a:sym typeface="Helvetica"/>
               </a:defRPr>
             </a:pPr>
+            <a:endParaRPr/>
           </a:p>
         </p:txBody>
       </p:sp>
@@ -1330,6 +1367,7 @@
                 <a:sym typeface="Helvetica"/>
               </a:defRPr>
             </a:pPr>
+            <a:endParaRPr/>
           </a:p>
         </p:txBody>
       </p:sp>
@@ -1371,13 +1409,16 @@
                 <a:sym typeface="Helvetica"/>
               </a:defRPr>
             </a:pPr>
+            <a:endParaRPr/>
           </a:p>
         </p:txBody>
       </p:sp>
       <p:sp>
         <p:nvSpPr>
           <p:cNvPr id="30" name="Lorem Ipsum Dolor"/>
-          <p:cNvSpPr txBox="1"/>
+          <p:cNvSpPr txBox="1">
+            <a:spLocks noGrp="1"/>
+          </p:cNvSpPr>
           <p:nvPr>
             <p:ph type="body" sz="quarter" idx="21"/>
           </p:nvPr>
@@ -1407,11 +1448,10 @@
               <a:buSzTx/>
               <a:buFontTx/>
               <a:buNone/>
-              <a:defRPr i="1" sz="3200"/>
+              <a:defRPr sz="3200" i="1"/>
             </a:lvl1pPr>
           </a:lstStyle>
           <a:p>
-            <a:pPr/>
             <a:r>
               <a:t>Lorem Ipsum Dolor</a:t>
             </a:r>
@@ -1421,7 +1461,9 @@
       <p:sp>
         <p:nvSpPr>
           <p:cNvPr id="31" name="Black and white photo of the Zeeland Bridge in the Netherlands"/>
-          <p:cNvSpPr/>
+          <p:cNvSpPr>
+            <a:spLocks noGrp="1"/>
+          </p:cNvSpPr>
           <p:nvPr>
             <p:ph type="pic" idx="22"/>
           </p:nvPr>
@@ -1444,14 +1486,16 @@
           </a:bodyPr>
           <a:lstStyle/>
           <a:p>
-            <a:pPr/>
+            <a:endParaRPr/>
           </a:p>
         </p:txBody>
       </p:sp>
       <p:sp>
         <p:nvSpPr>
           <p:cNvPr id="32" name="Title Text"/>
-          <p:cNvSpPr txBox="1"/>
+          <p:cNvSpPr txBox="1">
+            <a:spLocks noGrp="1"/>
+          </p:cNvSpPr>
           <p:nvPr>
             <p:ph type="title"/>
           </p:nvPr>
@@ -1471,7 +1515,6 @@
             <a:lvl1pPr algn="l"/>
           </a:lstStyle>
           <a:p>
-            <a:pPr/>
             <a:r>
               <a:t>Title Text</a:t>
             </a:r>
@@ -1481,7 +1524,9 @@
       <p:sp>
         <p:nvSpPr>
           <p:cNvPr id="33" name="Body Level One…"/>
-          <p:cNvSpPr txBox="1"/>
+          <p:cNvSpPr txBox="1">
+            <a:spLocks noGrp="1"/>
+          </p:cNvSpPr>
           <p:nvPr>
             <p:ph type="body" sz="quarter" idx="1"/>
           </p:nvPr>
@@ -1550,7 +1595,6 @@
             </a:lvl5pPr>
           </a:lstStyle>
           <a:p>
-            <a:pPr/>
             <a:r>
               <a:t>Body Level One</a:t>
             </a:r>
@@ -1584,7 +1628,9 @@
       <p:sp>
         <p:nvSpPr>
           <p:cNvPr id="34" name="Slide Number"/>
-          <p:cNvSpPr txBox="1"/>
+          <p:cNvSpPr txBox="1">
+            <a:spLocks noGrp="1"/>
+          </p:cNvSpPr>
           <p:nvPr>
             <p:ph type="sldNum" sz="quarter" idx="2"/>
           </p:nvPr>
@@ -1598,8 +1644,10 @@
           <a:bodyPr/>
           <a:lstStyle/>
           <a:p>
-            <a:pPr/>
-            <a:fld id="{86CB4B4D-7CA3-9044-876B-883B54F8677D}" type="slidenum"/>
+            <a:fld id="{86CB4B4D-7CA3-9044-876B-883B54F8677D}" type="slidenum">
+              <a:t>‹#›</a:t>
+            </a:fld>
+            <a:endParaRPr/>
           </a:p>
         </p:txBody>
       </p:sp>
@@ -1608,12 +1656,12 @@
   <p:clrMapOvr>
     <a:masterClrMapping/>
   </p:clrMapOvr>
-  <p:transition xmlns:p14="http://schemas.microsoft.com/office/powerpoint/2010/main" spd="med" advClick="1"/>
+  <p:transition spd="med"/>
 </p:sldLayout>
 </file>
 
 <file path=ppt/slideLayouts/slideLayout3.xml><?xml version="1.0" encoding="utf-8"?>
-<p:sldLayout xmlns:a="http://schemas.openxmlformats.org/drawingml/2006/main" xmlns:r="http://schemas.openxmlformats.org/officeDocument/2006/relationships" xmlns:p="http://schemas.openxmlformats.org/presentationml/2006/main" xmlns:m="http://schemas.openxmlformats.org/officeDocument/2006/math" xmlns:a14="http://schemas.microsoft.com/office/drawing/2010/main" type="tx" showMasterSp="0" showMasterPhAnim="1">
+<p:sldLayout xmlns:a="http://schemas.openxmlformats.org/drawingml/2006/main" xmlns:r="http://schemas.openxmlformats.org/officeDocument/2006/relationships" xmlns:p="http://schemas.openxmlformats.org/presentationml/2006/main" showMasterSp="0" type="tx">
   <p:cSld name="Title - Centre">
     <p:spTree>
       <p:nvGrpSpPr>
@@ -1632,7 +1680,9 @@
       <p:sp>
         <p:nvSpPr>
           <p:cNvPr id="41" name="Title Text"/>
-          <p:cNvSpPr txBox="1"/>
+          <p:cNvSpPr txBox="1">
+            <a:spLocks noGrp="1"/>
+          </p:cNvSpPr>
           <p:nvPr>
             <p:ph type="title"/>
           </p:nvPr>
@@ -1650,7 +1700,6 @@
           <a:bodyPr/>
           <a:lstStyle/>
           <a:p>
-            <a:pPr/>
             <a:r>
               <a:t>Title Text</a:t>
             </a:r>
@@ -1660,7 +1709,9 @@
       <p:sp>
         <p:nvSpPr>
           <p:cNvPr id="42" name="Slide Number"/>
-          <p:cNvSpPr txBox="1"/>
+          <p:cNvSpPr txBox="1">
+            <a:spLocks noGrp="1"/>
+          </p:cNvSpPr>
           <p:nvPr>
             <p:ph type="sldNum" sz="quarter" idx="2"/>
           </p:nvPr>
@@ -1674,8 +1725,10 @@
           <a:bodyPr/>
           <a:lstStyle/>
           <a:p>
-            <a:pPr/>
-            <a:fld id="{86CB4B4D-7CA3-9044-876B-883B54F8677D}" type="slidenum"/>
+            <a:fld id="{86CB4B4D-7CA3-9044-876B-883B54F8677D}" type="slidenum">
+              <a:t>‹#›</a:t>
+            </a:fld>
+            <a:endParaRPr/>
           </a:p>
         </p:txBody>
       </p:sp>
@@ -1684,12 +1737,12 @@
   <p:clrMapOvr>
     <a:masterClrMapping/>
   </p:clrMapOvr>
-  <p:transition xmlns:p14="http://schemas.microsoft.com/office/powerpoint/2010/main" spd="med" advClick="1"/>
+  <p:transition spd="med"/>
 </p:sldLayout>
 </file>
 
 <file path=ppt/slideLayouts/slideLayout4.xml><?xml version="1.0" encoding="utf-8"?>
-<p:sldLayout xmlns:a="http://schemas.openxmlformats.org/drawingml/2006/main" xmlns:r="http://schemas.openxmlformats.org/officeDocument/2006/relationships" xmlns:p="http://schemas.openxmlformats.org/presentationml/2006/main" xmlns:m="http://schemas.openxmlformats.org/officeDocument/2006/math" xmlns:a14="http://schemas.microsoft.com/office/drawing/2010/main" type="tx" showMasterSp="0" showMasterPhAnim="1">
+<p:sldLayout xmlns:a="http://schemas.openxmlformats.org/drawingml/2006/main" xmlns:r="http://schemas.openxmlformats.org/officeDocument/2006/relationships" xmlns:p="http://schemas.openxmlformats.org/presentationml/2006/main" showMasterSp="0" type="tx">
   <p:cSld name="Photo - Vertical">
     <p:spTree>
       <p:nvGrpSpPr>
@@ -1743,6 +1796,7 @@
                 <a:sym typeface="Helvetica"/>
               </a:defRPr>
             </a:pPr>
+            <a:endParaRPr/>
           </a:p>
         </p:txBody>
       </p:sp>
@@ -1784,13 +1838,16 @@
                 <a:sym typeface="Helvetica"/>
               </a:defRPr>
             </a:pPr>
+            <a:endParaRPr/>
           </a:p>
         </p:txBody>
       </p:sp>
       <p:sp>
         <p:nvSpPr>
           <p:cNvPr id="51" name="Lorem Ipsum Dolor"/>
-          <p:cNvSpPr txBox="1"/>
+          <p:cNvSpPr txBox="1">
+            <a:spLocks noGrp="1"/>
+          </p:cNvSpPr>
           <p:nvPr>
             <p:ph type="body" sz="quarter" idx="21"/>
           </p:nvPr>
@@ -1820,11 +1877,10 @@
               <a:buSzTx/>
               <a:buFontTx/>
               <a:buNone/>
-              <a:defRPr i="1" sz="3200"/>
+              <a:defRPr sz="3200" i="1"/>
             </a:lvl1pPr>
           </a:lstStyle>
           <a:p>
-            <a:pPr/>
             <a:r>
               <a:t>Lorem Ipsum Dolor</a:t>
             </a:r>
@@ -1834,7 +1890,9 @@
       <p:sp>
         <p:nvSpPr>
           <p:cNvPr id="52" name="Black and white photo of the underside of a bridge going over a river and against the sky "/>
-          <p:cNvSpPr/>
+          <p:cNvSpPr>
+            <a:spLocks noGrp="1"/>
+          </p:cNvSpPr>
           <p:nvPr>
             <p:ph type="pic" idx="22"/>
           </p:nvPr>
@@ -1857,14 +1915,16 @@
           </a:bodyPr>
           <a:lstStyle/>
           <a:p>
-            <a:pPr/>
+            <a:endParaRPr/>
           </a:p>
         </p:txBody>
       </p:sp>
       <p:sp>
         <p:nvSpPr>
           <p:cNvPr id="53" name="Title Text"/>
-          <p:cNvSpPr txBox="1"/>
+          <p:cNvSpPr txBox="1">
+            <a:spLocks noGrp="1"/>
+          </p:cNvSpPr>
           <p:nvPr>
             <p:ph type="title"/>
           </p:nvPr>
@@ -1886,7 +1946,6 @@
             </a:lvl1pPr>
           </a:lstStyle>
           <a:p>
-            <a:pPr/>
             <a:r>
               <a:t>Title Text</a:t>
             </a:r>
@@ -1896,7 +1955,9 @@
       <p:sp>
         <p:nvSpPr>
           <p:cNvPr id="54" name="Body Level One…"/>
-          <p:cNvSpPr txBox="1"/>
+          <p:cNvSpPr txBox="1">
+            <a:spLocks noGrp="1"/>
+          </p:cNvSpPr>
           <p:nvPr>
             <p:ph type="body" sz="quarter" idx="1"/>
           </p:nvPr>
@@ -1965,7 +2026,6 @@
             </a:lvl5pPr>
           </a:lstStyle>
           <a:p>
-            <a:pPr/>
             <a:r>
               <a:t>Body Level One</a:t>
             </a:r>
@@ -1999,7 +2059,9 @@
       <p:sp>
         <p:nvSpPr>
           <p:cNvPr id="55" name="Slide Number"/>
-          <p:cNvSpPr txBox="1"/>
+          <p:cNvSpPr txBox="1">
+            <a:spLocks noGrp="1"/>
+          </p:cNvSpPr>
           <p:nvPr>
             <p:ph type="sldNum" sz="quarter" idx="2"/>
           </p:nvPr>
@@ -2013,8 +2075,10 @@
           <a:bodyPr/>
           <a:lstStyle/>
           <a:p>
-            <a:pPr/>
-            <a:fld id="{86CB4B4D-7CA3-9044-876B-883B54F8677D}" type="slidenum"/>
+            <a:fld id="{86CB4B4D-7CA3-9044-876B-883B54F8677D}" type="slidenum">
+              <a:t>‹#›</a:t>
+            </a:fld>
+            <a:endParaRPr/>
           </a:p>
         </p:txBody>
       </p:sp>
@@ -2023,12 +2087,12 @@
   <p:clrMapOvr>
     <a:masterClrMapping/>
   </p:clrMapOvr>
-  <p:transition xmlns:p14="http://schemas.microsoft.com/office/powerpoint/2010/main" spd="med" advClick="1"/>
+  <p:transition spd="med"/>
 </p:sldLayout>
 </file>
 
 <file path=ppt/slideLayouts/slideLayout5.xml><?xml version="1.0" encoding="utf-8"?>
-<p:sldLayout xmlns:a="http://schemas.openxmlformats.org/drawingml/2006/main" xmlns:r="http://schemas.openxmlformats.org/officeDocument/2006/relationships" xmlns:p="http://schemas.openxmlformats.org/presentationml/2006/main" xmlns:m="http://schemas.openxmlformats.org/officeDocument/2006/math" xmlns:a14="http://schemas.microsoft.com/office/drawing/2010/main" type="tx" showMasterSp="1" showMasterPhAnim="1">
+<p:sldLayout xmlns:a="http://schemas.openxmlformats.org/drawingml/2006/main" xmlns:r="http://schemas.openxmlformats.org/officeDocument/2006/relationships" xmlns:p="http://schemas.openxmlformats.org/presentationml/2006/main" type="tx">
   <p:cSld name="Title - Top">
     <p:spTree>
       <p:nvGrpSpPr>
@@ -2047,7 +2111,9 @@
       <p:sp>
         <p:nvSpPr>
           <p:cNvPr id="62" name="Title Text"/>
-          <p:cNvSpPr txBox="1"/>
+          <p:cNvSpPr txBox="1">
+            <a:spLocks noGrp="1"/>
+          </p:cNvSpPr>
           <p:nvPr>
             <p:ph type="title"/>
           </p:nvPr>
@@ -2061,7 +2127,6 @@
           <a:bodyPr/>
           <a:lstStyle/>
           <a:p>
-            <a:pPr/>
             <a:r>
               <a:t>Title Text</a:t>
             </a:r>
@@ -2071,7 +2136,9 @@
       <p:sp>
         <p:nvSpPr>
           <p:cNvPr id="63" name="Slide Number"/>
-          <p:cNvSpPr txBox="1"/>
+          <p:cNvSpPr txBox="1">
+            <a:spLocks noGrp="1"/>
+          </p:cNvSpPr>
           <p:nvPr>
             <p:ph type="sldNum" sz="quarter" idx="2"/>
           </p:nvPr>
@@ -2085,8 +2152,10 @@
           <a:bodyPr/>
           <a:lstStyle/>
           <a:p>
-            <a:pPr/>
-            <a:fld id="{86CB4B4D-7CA3-9044-876B-883B54F8677D}" type="slidenum"/>
+            <a:fld id="{86CB4B4D-7CA3-9044-876B-883B54F8677D}" type="slidenum">
+              <a:t>‹#›</a:t>
+            </a:fld>
+            <a:endParaRPr/>
           </a:p>
         </p:txBody>
       </p:sp>
@@ -2095,12 +2164,12 @@
   <p:clrMapOvr>
     <a:masterClrMapping/>
   </p:clrMapOvr>
-  <p:transition xmlns:p14="http://schemas.microsoft.com/office/powerpoint/2010/main" spd="med" advClick="1"/>
+  <p:transition spd="med"/>
 </p:sldLayout>
 </file>
 
 <file path=ppt/slideLayouts/slideLayout6.xml><?xml version="1.0" encoding="utf-8"?>
-<p:sldLayout xmlns:a="http://schemas.openxmlformats.org/drawingml/2006/main" xmlns:r="http://schemas.openxmlformats.org/officeDocument/2006/relationships" xmlns:p="http://schemas.openxmlformats.org/presentationml/2006/main" xmlns:m="http://schemas.openxmlformats.org/officeDocument/2006/math" xmlns:a14="http://schemas.microsoft.com/office/drawing/2010/main" type="tx" showMasterSp="0" showMasterPhAnim="1">
+<p:sldLayout xmlns:a="http://schemas.openxmlformats.org/drawingml/2006/main" xmlns:r="http://schemas.openxmlformats.org/officeDocument/2006/relationships" xmlns:p="http://schemas.openxmlformats.org/presentationml/2006/main" showMasterSp="0" type="tx">
   <p:cSld name="Title &amp; Bullets">
     <p:spTree>
       <p:nvGrpSpPr>
@@ -2154,6 +2223,7 @@
                 <a:sym typeface="Helvetica"/>
               </a:defRPr>
             </a:pPr>
+            <a:endParaRPr/>
           </a:p>
         </p:txBody>
       </p:sp>
@@ -2195,13 +2265,16 @@
                 <a:sym typeface="Helvetica"/>
               </a:defRPr>
             </a:pPr>
+            <a:endParaRPr/>
           </a:p>
         </p:txBody>
       </p:sp>
       <p:sp>
         <p:nvSpPr>
           <p:cNvPr id="72" name="Title Text"/>
-          <p:cNvSpPr txBox="1"/>
+          <p:cNvSpPr txBox="1">
+            <a:spLocks noGrp="1"/>
+          </p:cNvSpPr>
           <p:nvPr>
             <p:ph type="title"/>
           </p:nvPr>
@@ -2215,7 +2288,6 @@
           <a:bodyPr/>
           <a:lstStyle/>
           <a:p>
-            <a:pPr/>
             <a:r>
               <a:t>Title Text</a:t>
             </a:r>
@@ -2225,7 +2297,9 @@
       <p:sp>
         <p:nvSpPr>
           <p:cNvPr id="73" name="Body Level One…"/>
-          <p:cNvSpPr txBox="1"/>
+          <p:cNvSpPr txBox="1">
+            <a:spLocks noGrp="1"/>
+          </p:cNvSpPr>
           <p:nvPr>
             <p:ph type="body" idx="1"/>
           </p:nvPr>
@@ -2239,7 +2313,6 @@
           <a:bodyPr/>
           <a:lstStyle/>
           <a:p>
-            <a:pPr/>
             <a:r>
               <a:t>Body Level One</a:t>
             </a:r>
@@ -2273,7 +2346,9 @@
       <p:sp>
         <p:nvSpPr>
           <p:cNvPr id="74" name="Slide Number"/>
-          <p:cNvSpPr txBox="1"/>
+          <p:cNvSpPr txBox="1">
+            <a:spLocks noGrp="1"/>
+          </p:cNvSpPr>
           <p:nvPr>
             <p:ph type="sldNum" sz="quarter" idx="2"/>
           </p:nvPr>
@@ -2287,8 +2362,10 @@
           <a:bodyPr/>
           <a:lstStyle/>
           <a:p>
-            <a:pPr/>
-            <a:fld id="{86CB4B4D-7CA3-9044-876B-883B54F8677D}" type="slidenum"/>
+            <a:fld id="{86CB4B4D-7CA3-9044-876B-883B54F8677D}" type="slidenum">
+              <a:t>‹#›</a:t>
+            </a:fld>
+            <a:endParaRPr/>
           </a:p>
         </p:txBody>
       </p:sp>
@@ -2297,12 +2374,12 @@
   <p:clrMapOvr>
     <a:masterClrMapping/>
   </p:clrMapOvr>
-  <p:transition xmlns:p14="http://schemas.microsoft.com/office/powerpoint/2010/main" spd="med" advClick="1"/>
+  <p:transition spd="med"/>
 </p:sldLayout>
 </file>
 
 <file path=ppt/slideLayouts/slideLayout7.xml><?xml version="1.0" encoding="utf-8"?>
-<p:sldLayout xmlns:a="http://schemas.openxmlformats.org/drawingml/2006/main" xmlns:r="http://schemas.openxmlformats.org/officeDocument/2006/relationships" xmlns:p="http://schemas.openxmlformats.org/presentationml/2006/main" xmlns:m="http://schemas.openxmlformats.org/officeDocument/2006/math" xmlns:a14="http://schemas.microsoft.com/office/drawing/2010/main" type="tx" showMasterSp="0" showMasterPhAnim="1">
+<p:sldLayout xmlns:a="http://schemas.openxmlformats.org/drawingml/2006/main" xmlns:r="http://schemas.openxmlformats.org/officeDocument/2006/relationships" xmlns:p="http://schemas.openxmlformats.org/presentationml/2006/main" showMasterSp="0" type="tx">
   <p:cSld name="Title, Bullets &amp; Photo">
     <p:spTree>
       <p:nvGrpSpPr>
@@ -2356,6 +2433,7 @@
                 <a:sym typeface="Helvetica"/>
               </a:defRPr>
             </a:pPr>
+            <a:endParaRPr/>
           </a:p>
         </p:txBody>
       </p:sp>
@@ -2397,13 +2475,16 @@
                 <a:sym typeface="Helvetica"/>
               </a:defRPr>
             </a:pPr>
+            <a:endParaRPr/>
           </a:p>
         </p:txBody>
       </p:sp>
       <p:sp>
         <p:nvSpPr>
           <p:cNvPr id="83" name="Black and white photo of the underside of a bridge going over a river and against the sky "/>
-          <p:cNvSpPr/>
+          <p:cNvSpPr>
+            <a:spLocks noGrp="1"/>
+          </p:cNvSpPr>
           <p:nvPr>
             <p:ph type="pic" idx="21"/>
           </p:nvPr>
@@ -2426,14 +2507,16 @@
           </a:bodyPr>
           <a:lstStyle/>
           <a:p>
-            <a:pPr/>
+            <a:endParaRPr/>
           </a:p>
         </p:txBody>
       </p:sp>
       <p:sp>
         <p:nvSpPr>
           <p:cNvPr id="84" name="Title Text"/>
-          <p:cNvSpPr txBox="1"/>
+          <p:cNvSpPr txBox="1">
+            <a:spLocks noGrp="1"/>
+          </p:cNvSpPr>
           <p:nvPr>
             <p:ph type="title"/>
           </p:nvPr>
@@ -2447,7 +2530,6 @@
           <a:bodyPr/>
           <a:lstStyle/>
           <a:p>
-            <a:pPr/>
             <a:r>
               <a:t>Title Text</a:t>
             </a:r>
@@ -2457,7 +2539,9 @@
       <p:sp>
         <p:nvSpPr>
           <p:cNvPr id="85" name="Body Level One…"/>
-          <p:cNvSpPr txBox="1"/>
+          <p:cNvSpPr txBox="1">
+            <a:spLocks noGrp="1"/>
+          </p:cNvSpPr>
           <p:nvPr>
             <p:ph type="body" sz="half" idx="1"/>
           </p:nvPr>
@@ -2511,7 +2595,6 @@
             </a:lvl5pPr>
           </a:lstStyle>
           <a:p>
-            <a:pPr/>
             <a:r>
               <a:t>Body Level One</a:t>
             </a:r>
@@ -2545,7 +2628,9 @@
       <p:sp>
         <p:nvSpPr>
           <p:cNvPr id="86" name="Slide Number"/>
-          <p:cNvSpPr txBox="1"/>
+          <p:cNvSpPr txBox="1">
+            <a:spLocks noGrp="1"/>
+          </p:cNvSpPr>
           <p:nvPr>
             <p:ph type="sldNum" sz="quarter" idx="2"/>
           </p:nvPr>
@@ -2559,8 +2644,10 @@
           <a:bodyPr/>
           <a:lstStyle/>
           <a:p>
-            <a:pPr/>
-            <a:fld id="{86CB4B4D-7CA3-9044-876B-883B54F8677D}" type="slidenum"/>
+            <a:fld id="{86CB4B4D-7CA3-9044-876B-883B54F8677D}" type="slidenum">
+              <a:t>‹#›</a:t>
+            </a:fld>
+            <a:endParaRPr/>
           </a:p>
         </p:txBody>
       </p:sp>
@@ -2569,12 +2656,12 @@
   <p:clrMapOvr>
     <a:masterClrMapping/>
   </p:clrMapOvr>
-  <p:transition xmlns:p14="http://schemas.microsoft.com/office/powerpoint/2010/main" spd="med" advClick="1"/>
+  <p:transition spd="med"/>
 </p:sldLayout>
 </file>
 
 <file path=ppt/slideLayouts/slideLayout8.xml><?xml version="1.0" encoding="utf-8"?>
-<p:sldLayout xmlns:a="http://schemas.openxmlformats.org/drawingml/2006/main" xmlns:r="http://schemas.openxmlformats.org/officeDocument/2006/relationships" xmlns:p="http://schemas.openxmlformats.org/presentationml/2006/main" xmlns:m="http://schemas.openxmlformats.org/officeDocument/2006/math" xmlns:a14="http://schemas.microsoft.com/office/drawing/2010/main" type="tx" showMasterSp="0" showMasterPhAnim="1">
+<p:sldLayout xmlns:a="http://schemas.openxmlformats.org/drawingml/2006/main" xmlns:r="http://schemas.openxmlformats.org/officeDocument/2006/relationships" xmlns:p="http://schemas.openxmlformats.org/presentationml/2006/main" showMasterSp="0" type="tx">
   <p:cSld name="Bullets">
     <p:spTree>
       <p:nvGrpSpPr>
@@ -2593,7 +2680,9 @@
       <p:sp>
         <p:nvSpPr>
           <p:cNvPr id="93" name="Body Level One…"/>
-          <p:cNvSpPr txBox="1"/>
+          <p:cNvSpPr txBox="1">
+            <a:spLocks noGrp="1"/>
+          </p:cNvSpPr>
           <p:nvPr>
             <p:ph type="body" idx="1"/>
           </p:nvPr>
@@ -2611,7 +2700,6 @@
           <a:bodyPr/>
           <a:lstStyle/>
           <a:p>
-            <a:pPr/>
             <a:r>
               <a:t>Body Level One</a:t>
             </a:r>
@@ -2645,7 +2733,9 @@
       <p:sp>
         <p:nvSpPr>
           <p:cNvPr id="94" name="Slide Number"/>
-          <p:cNvSpPr txBox="1"/>
+          <p:cNvSpPr txBox="1">
+            <a:spLocks noGrp="1"/>
+          </p:cNvSpPr>
           <p:nvPr>
             <p:ph type="sldNum" sz="quarter" idx="2"/>
           </p:nvPr>
@@ -2659,8 +2749,10 @@
           <a:bodyPr/>
           <a:lstStyle/>
           <a:p>
-            <a:pPr/>
-            <a:fld id="{86CB4B4D-7CA3-9044-876B-883B54F8677D}" type="slidenum"/>
+            <a:fld id="{86CB4B4D-7CA3-9044-876B-883B54F8677D}" type="slidenum">
+              <a:t>‹#›</a:t>
+            </a:fld>
+            <a:endParaRPr/>
           </a:p>
         </p:txBody>
       </p:sp>
@@ -2669,12 +2761,12 @@
   <p:clrMapOvr>
     <a:masterClrMapping/>
   </p:clrMapOvr>
-  <p:transition xmlns:p14="http://schemas.microsoft.com/office/powerpoint/2010/main" spd="med" advClick="1"/>
+  <p:transition spd="med"/>
 </p:sldLayout>
 </file>
 
 <file path=ppt/slideLayouts/slideLayout9.xml><?xml version="1.0" encoding="utf-8"?>
-<p:sldLayout xmlns:a="http://schemas.openxmlformats.org/drawingml/2006/main" xmlns:r="http://schemas.openxmlformats.org/officeDocument/2006/relationships" xmlns:p="http://schemas.openxmlformats.org/presentationml/2006/main" xmlns:m="http://schemas.openxmlformats.org/officeDocument/2006/math" xmlns:a14="http://schemas.microsoft.com/office/drawing/2010/main" type="tx" showMasterSp="0" showMasterPhAnim="1">
+<p:sldLayout xmlns:a="http://schemas.openxmlformats.org/drawingml/2006/main" xmlns:r="http://schemas.openxmlformats.org/officeDocument/2006/relationships" xmlns:p="http://schemas.openxmlformats.org/presentationml/2006/main" showMasterSp="0" type="tx">
   <p:cSld name="Photo - 3 Up">
     <p:spTree>
       <p:nvGrpSpPr>
@@ -2693,7 +2785,9 @@
       <p:sp>
         <p:nvSpPr>
           <p:cNvPr id="101" name="Black and white photo looking up at the suspension cables of a bridge with clouds in the background"/>
-          <p:cNvSpPr/>
+          <p:cNvSpPr>
+            <a:spLocks noGrp="1"/>
+          </p:cNvSpPr>
           <p:nvPr>
             <p:ph type="pic" sz="half" idx="21"/>
           </p:nvPr>
@@ -2716,14 +2810,16 @@
           </a:bodyPr>
           <a:lstStyle/>
           <a:p>
-            <a:pPr/>
+            <a:endParaRPr/>
           </a:p>
         </p:txBody>
       </p:sp>
       <p:sp>
         <p:nvSpPr>
           <p:cNvPr id="102" name="Black and white photo of the Zeeland Bridge in the Netherlands"/>
-          <p:cNvSpPr/>
+          <p:cNvSpPr>
+            <a:spLocks noGrp="1"/>
+          </p:cNvSpPr>
           <p:nvPr>
             <p:ph type="pic" sz="half" idx="22"/>
           </p:nvPr>
@@ -2746,14 +2842,16 @@
           </a:bodyPr>
           <a:lstStyle/>
           <a:p>
-            <a:pPr/>
+            <a:endParaRPr/>
           </a:p>
         </p:txBody>
       </p:sp>
       <p:sp>
         <p:nvSpPr>
           <p:cNvPr id="103" name="Black and white photo of the underside of a bridge going over a river and against the sky "/>
-          <p:cNvSpPr/>
+          <p:cNvSpPr>
+            <a:spLocks noGrp="1"/>
+          </p:cNvSpPr>
           <p:nvPr>
             <p:ph type="pic" idx="23"/>
           </p:nvPr>
@@ -2776,14 +2874,16 @@
           </a:bodyPr>
           <a:lstStyle/>
           <a:p>
-            <a:pPr/>
+            <a:endParaRPr/>
           </a:p>
         </p:txBody>
       </p:sp>
       <p:sp>
         <p:nvSpPr>
           <p:cNvPr id="104" name="Slide Number"/>
-          <p:cNvSpPr txBox="1"/>
+          <p:cNvSpPr txBox="1">
+            <a:spLocks noGrp="1"/>
+          </p:cNvSpPr>
           <p:nvPr>
             <p:ph type="sldNum" sz="quarter" idx="2"/>
           </p:nvPr>
@@ -2797,8 +2897,10 @@
           <a:bodyPr/>
           <a:lstStyle/>
           <a:p>
-            <a:pPr/>
-            <a:fld id="{86CB4B4D-7CA3-9044-876B-883B54F8677D}" type="slidenum"/>
+            <a:fld id="{86CB4B4D-7CA3-9044-876B-883B54F8677D}" type="slidenum">
+              <a:t>‹#›</a:t>
+            </a:fld>
+            <a:endParaRPr/>
           </a:p>
         </p:txBody>
       </p:sp>
@@ -2807,22 +2909,23 @@
   <p:clrMapOvr>
     <a:masterClrMapping/>
   </p:clrMapOvr>
-  <p:transition xmlns:p14="http://schemas.microsoft.com/office/powerpoint/2010/main" spd="med" advClick="1"/>
+  <p:transition spd="med"/>
 </p:sldLayout>
 </file>
 
 <file path=ppt/slideMasters/slideMaster1.xml><?xml version="1.0" encoding="utf-8"?>
-<p:sldMaster xmlns:a="http://schemas.openxmlformats.org/drawingml/2006/main" xmlns:r="http://schemas.openxmlformats.org/officeDocument/2006/relationships" xmlns:p="http://schemas.openxmlformats.org/presentationml/2006/main" xmlns:m="http://schemas.openxmlformats.org/officeDocument/2006/math" xmlns:a14="http://schemas.microsoft.com/office/drawing/2010/main">
+<p:sldMaster xmlns:a="http://schemas.openxmlformats.org/drawingml/2006/main" xmlns:r="http://schemas.openxmlformats.org/officeDocument/2006/relationships" xmlns:p="http://schemas.openxmlformats.org/presentationml/2006/main">
   <p:cSld>
     <p:bg>
       <p:bgPr>
         <a:blipFill rotWithShape="1">
-          <a:blip r:embed="rId2"/>
-          <a:srcRect l="0" t="0" r="0" b="0"/>
+          <a:blip r:embed="rId14"/>
+          <a:srcRect/>
           <a:stretch>
             <a:fillRect/>
           </a:stretch>
         </a:blipFill>
+        <a:effectLst/>
       </p:bgPr>
     </p:bg>
     <p:spTree>
@@ -2877,6 +2980,7 @@
                 <a:sym typeface="Helvetica"/>
               </a:defRPr>
             </a:pPr>
+            <a:endParaRPr/>
           </a:p>
         </p:txBody>
       </p:sp>
@@ -2918,13 +3022,16 @@
                 <a:sym typeface="Helvetica"/>
               </a:defRPr>
             </a:pPr>
+            <a:endParaRPr/>
           </a:p>
         </p:txBody>
       </p:sp>
       <p:sp>
         <p:nvSpPr>
           <p:cNvPr id="4" name="Title Text"/>
-          <p:cNvSpPr txBox="1"/>
+          <p:cNvSpPr txBox="1">
+            <a:spLocks noGrp="1"/>
+          </p:cNvSpPr>
           <p:nvPr>
             <p:ph type="title"/>
           </p:nvPr>
@@ -2942,17 +3049,16 @@
           </a:ln>
           <a:extLst>
             <a:ext uri="{C572A759-6A51-4108-AA02-DFA0A04FC94B}">
-              <ma14:wrappingTextBoxFlag xmlns:ma14="http://schemas.microsoft.com/office/mac/drawingml/2011/main" val="1"/>
+              <ma14:wrappingTextBoxFlag xmlns:ma14="http://schemas.microsoft.com/office/mac/drawingml/2011/main" xmlns:a14="http://schemas.microsoft.com/office/drawing/2010/main" xmlns:m="http://schemas.openxmlformats.org/officeDocument/2006/math" xmlns="" val="1"/>
             </a:ext>
           </a:extLst>
         </p:spPr>
         <p:txBody>
           <a:bodyPr lIns="50800" tIns="50800" rIns="50800" bIns="50800" anchor="ctr">
-            <a:normAutofit fontScale="100000" lnSpcReduction="0"/>
+            <a:normAutofit/>
           </a:bodyPr>
           <a:lstStyle/>
           <a:p>
-            <a:pPr/>
             <a:r>
               <a:t>Title Text</a:t>
             </a:r>
@@ -2962,7 +3068,9 @@
       <p:sp>
         <p:nvSpPr>
           <p:cNvPr id="5" name="Body Level One…"/>
-          <p:cNvSpPr txBox="1"/>
+          <p:cNvSpPr txBox="1">
+            <a:spLocks noGrp="1"/>
+          </p:cNvSpPr>
           <p:nvPr>
             <p:ph type="body" idx="1"/>
           </p:nvPr>
@@ -2980,17 +3088,16 @@
           </a:ln>
           <a:extLst>
             <a:ext uri="{C572A759-6A51-4108-AA02-DFA0A04FC94B}">
-              <ma14:wrappingTextBoxFlag xmlns:ma14="http://schemas.microsoft.com/office/mac/drawingml/2011/main" val="1"/>
+              <ma14:wrappingTextBoxFlag xmlns:ma14="http://schemas.microsoft.com/office/mac/drawingml/2011/main" xmlns:a14="http://schemas.microsoft.com/office/drawing/2010/main" xmlns:m="http://schemas.openxmlformats.org/officeDocument/2006/math" xmlns="" val="1"/>
             </a:ext>
           </a:extLst>
         </p:spPr>
         <p:txBody>
           <a:bodyPr lIns="50800" tIns="50800" rIns="50800" bIns="50800" anchor="ctr">
-            <a:normAutofit fontScale="100000" lnSpcReduction="0"/>
+            <a:normAutofit/>
           </a:bodyPr>
           <a:lstStyle/>
           <a:p>
-            <a:pPr/>
             <a:r>
               <a:t>Body Level One</a:t>
             </a:r>
@@ -3024,7 +3131,9 @@
       <p:sp>
         <p:nvSpPr>
           <p:cNvPr id="6" name="Slide Number"/>
-          <p:cNvSpPr txBox="1"/>
+          <p:cNvSpPr txBox="1">
+            <a:spLocks noGrp="1"/>
+          </p:cNvSpPr>
           <p:nvPr>
             <p:ph type="sldNum" sz="quarter" idx="2"/>
           </p:nvPr>
@@ -3055,8 +3164,10 @@
             </a:lvl1pPr>
           </a:lstStyle>
           <a:p>
-            <a:pPr/>
-            <a:fld id="{86CB4B4D-7CA3-9044-876B-883B54F8677D}" type="slidenum"/>
+            <a:fld id="{86CB4B4D-7CA3-9044-876B-883B54F8677D}" type="slidenum">
+              <a:t>‹#›</a:t>
+            </a:fld>
+            <a:endParaRPr/>
           </a:p>
         </p:txBody>
       </p:sp>
@@ -3064,20 +3175,20 @@
   </p:cSld>
   <p:clrMap bg1="lt1" tx1="dk1" bg2="lt2" tx2="dk2" accent1="accent1" accent2="accent2" accent3="accent3" accent4="accent4" accent5="accent5" accent6="accent6" hlink="hlink" folHlink="folHlink"/>
   <p:sldLayoutIdLst>
-    <p:sldLayoutId id="2147483649" r:id="rId3"/>
-    <p:sldLayoutId id="2147483650" r:id="rId4"/>
-    <p:sldLayoutId id="2147483651" r:id="rId5"/>
-    <p:sldLayoutId id="2147483652" r:id="rId6"/>
-    <p:sldLayoutId id="2147483653" r:id="rId7"/>
-    <p:sldLayoutId id="2147483654" r:id="rId8"/>
-    <p:sldLayoutId id="2147483655" r:id="rId9"/>
-    <p:sldLayoutId id="2147483656" r:id="rId10"/>
-    <p:sldLayoutId id="2147483657" r:id="rId11"/>
-    <p:sldLayoutId id="2147483658" r:id="rId12"/>
-    <p:sldLayoutId id="2147483659" r:id="rId13"/>
-    <p:sldLayoutId id="2147483660" r:id="rId14"/>
+    <p:sldLayoutId id="2147483649" r:id="rId1"/>
+    <p:sldLayoutId id="2147483650" r:id="rId2"/>
+    <p:sldLayoutId id="2147483651" r:id="rId3"/>
+    <p:sldLayoutId id="2147483652" r:id="rId4"/>
+    <p:sldLayoutId id="2147483653" r:id="rId5"/>
+    <p:sldLayoutId id="2147483654" r:id="rId6"/>
+    <p:sldLayoutId id="2147483655" r:id="rId7"/>
+    <p:sldLayoutId id="2147483656" r:id="rId8"/>
+    <p:sldLayoutId id="2147483657" r:id="rId9"/>
+    <p:sldLayoutId id="2147483658" r:id="rId10"/>
+    <p:sldLayoutId id="2147483659" r:id="rId11"/>
+    <p:sldLayoutId id="2147483660" r:id="rId12"/>
   </p:sldLayoutIdLst>
-  <p:transition xmlns:p14="http://schemas.microsoft.com/office/powerpoint/2010/main" spd="med" advClick="1"/>
+  <p:transition spd="med"/>
   <p:txStyles>
     <p:titleStyle>
       <a:lvl1pPr marL="0" marR="0" indent="0" algn="ctr" defTabSz="825500" rtl="0" latinLnBrk="0">
@@ -3095,7 +3206,7 @@
         <a:buFontTx/>
         <a:buNone/>
         <a:tabLst/>
-        <a:defRPr b="0" baseline="0" cap="none" i="0" spc="0" strike="noStrike" sz="9800" u="none">
+        <a:defRPr sz="9800" b="0" i="0" u="none" strike="noStrike" cap="none" spc="0" baseline="0">
           <a:solidFill>
             <a:srgbClr val="D93E2B"/>
           </a:solidFill>
@@ -3121,7 +3232,7 @@
         <a:buFontTx/>
         <a:buNone/>
         <a:tabLst/>
-        <a:defRPr b="0" baseline="0" cap="none" i="0" spc="0" strike="noStrike" sz="9800" u="none">
+        <a:defRPr sz="9800" b="0" i="0" u="none" strike="noStrike" cap="none" spc="0" baseline="0">
           <a:solidFill>
             <a:srgbClr val="D93E2B"/>
           </a:solidFill>
@@ -3147,7 +3258,7 @@
         <a:buFontTx/>
         <a:buNone/>
         <a:tabLst/>
-        <a:defRPr b="0" baseline="0" cap="none" i="0" spc="0" strike="noStrike" sz="9800" u="none">
+        <a:defRPr sz="9800" b="0" i="0" u="none" strike="noStrike" cap="none" spc="0" baseline="0">
           <a:solidFill>
             <a:srgbClr val="D93E2B"/>
           </a:solidFill>
@@ -3173,7 +3284,7 @@
         <a:buFontTx/>
         <a:buNone/>
         <a:tabLst/>
-        <a:defRPr b="0" baseline="0" cap="none" i="0" spc="0" strike="noStrike" sz="9800" u="none">
+        <a:defRPr sz="9800" b="0" i="0" u="none" strike="noStrike" cap="none" spc="0" baseline="0">
           <a:solidFill>
             <a:srgbClr val="D93E2B"/>
           </a:solidFill>
@@ -3199,7 +3310,7 @@
         <a:buFontTx/>
         <a:buNone/>
         <a:tabLst/>
-        <a:defRPr b="0" baseline="0" cap="none" i="0" spc="0" strike="noStrike" sz="9800" u="none">
+        <a:defRPr sz="9800" b="0" i="0" u="none" strike="noStrike" cap="none" spc="0" baseline="0">
           <a:solidFill>
             <a:srgbClr val="D93E2B"/>
           </a:solidFill>
@@ -3225,7 +3336,7 @@
         <a:buFontTx/>
         <a:buNone/>
         <a:tabLst/>
-        <a:defRPr b="0" baseline="0" cap="none" i="0" spc="0" strike="noStrike" sz="9800" u="none">
+        <a:defRPr sz="9800" b="0" i="0" u="none" strike="noStrike" cap="none" spc="0" baseline="0">
           <a:solidFill>
             <a:srgbClr val="D93E2B"/>
           </a:solidFill>
@@ -3251,7 +3362,7 @@
         <a:buFontTx/>
         <a:buNone/>
         <a:tabLst/>
-        <a:defRPr b="0" baseline="0" cap="none" i="0" spc="0" strike="noStrike" sz="9800" u="none">
+        <a:defRPr sz="9800" b="0" i="0" u="none" strike="noStrike" cap="none" spc="0" baseline="0">
           <a:solidFill>
             <a:srgbClr val="D93E2B"/>
           </a:solidFill>
@@ -3277,7 +3388,7 @@
         <a:buFontTx/>
         <a:buNone/>
         <a:tabLst/>
-        <a:defRPr b="0" baseline="0" cap="none" i="0" spc="0" strike="noStrike" sz="9800" u="none">
+        <a:defRPr sz="9800" b="0" i="0" u="none" strike="noStrike" cap="none" spc="0" baseline="0">
           <a:solidFill>
             <a:srgbClr val="D93E2B"/>
           </a:solidFill>
@@ -3303,7 +3414,7 @@
         <a:buFontTx/>
         <a:buNone/>
         <a:tabLst/>
-        <a:defRPr b="0" baseline="0" cap="none" i="0" spc="0" strike="noStrike" sz="9800" u="none">
+        <a:defRPr sz="9800" b="0" i="0" u="none" strike="noStrike" cap="none" spc="0" baseline="0">
           <a:solidFill>
             <a:srgbClr val="D93E2B"/>
           </a:solidFill>
@@ -3333,7 +3444,7 @@
         <a:buFont typeface="Zapf Dingbats"/>
         <a:buChar char="❖"/>
         <a:tabLst/>
-        <a:defRPr b="0" baseline="0" cap="none" i="0" spc="0" strike="noStrike" sz="5000" u="none">
+        <a:defRPr sz="5000" b="0" i="0" u="none" strike="noStrike" cap="none" spc="0" baseline="0">
           <a:solidFill>
             <a:srgbClr val="414141"/>
           </a:solidFill>
@@ -3361,7 +3472,7 @@
         <a:buFont typeface="Zapf Dingbats"/>
         <a:buChar char="❖"/>
         <a:tabLst/>
-        <a:defRPr b="0" baseline="0" cap="none" i="0" spc="0" strike="noStrike" sz="5000" u="none">
+        <a:defRPr sz="5000" b="0" i="0" u="none" strike="noStrike" cap="none" spc="0" baseline="0">
           <a:solidFill>
             <a:srgbClr val="414141"/>
           </a:solidFill>
@@ -3389,7 +3500,7 @@
         <a:buFont typeface="Zapf Dingbats"/>
         <a:buChar char="❖"/>
         <a:tabLst/>
-        <a:defRPr b="0" baseline="0" cap="none" i="0" spc="0" strike="noStrike" sz="5000" u="none">
+        <a:defRPr sz="5000" b="0" i="0" u="none" strike="noStrike" cap="none" spc="0" baseline="0">
           <a:solidFill>
             <a:srgbClr val="414141"/>
           </a:solidFill>
@@ -3417,7 +3528,7 @@
         <a:buFont typeface="Zapf Dingbats"/>
         <a:buChar char="❖"/>
         <a:tabLst/>
-        <a:defRPr b="0" baseline="0" cap="none" i="0" spc="0" strike="noStrike" sz="5000" u="none">
+        <a:defRPr sz="5000" b="0" i="0" u="none" strike="noStrike" cap="none" spc="0" baseline="0">
           <a:solidFill>
             <a:srgbClr val="414141"/>
           </a:solidFill>
@@ -3445,7 +3556,7 @@
         <a:buFont typeface="Zapf Dingbats"/>
         <a:buChar char="❖"/>
         <a:tabLst/>
-        <a:defRPr b="0" baseline="0" cap="none" i="0" spc="0" strike="noStrike" sz="5000" u="none">
+        <a:defRPr sz="5000" b="0" i="0" u="none" strike="noStrike" cap="none" spc="0" baseline="0">
           <a:solidFill>
             <a:srgbClr val="414141"/>
           </a:solidFill>
@@ -3473,7 +3584,7 @@
         <a:buFont typeface="Zapf Dingbats"/>
         <a:buChar char="❖"/>
         <a:tabLst/>
-        <a:defRPr b="0" baseline="0" cap="none" i="0" spc="0" strike="noStrike" sz="5000" u="none">
+        <a:defRPr sz="5000" b="0" i="0" u="none" strike="noStrike" cap="none" spc="0" baseline="0">
           <a:solidFill>
             <a:srgbClr val="414141"/>
           </a:solidFill>
@@ -3501,7 +3612,7 @@
         <a:buFont typeface="Zapf Dingbats"/>
         <a:buChar char="❖"/>
         <a:tabLst/>
-        <a:defRPr b="0" baseline="0" cap="none" i="0" spc="0" strike="noStrike" sz="5000" u="none">
+        <a:defRPr sz="5000" b="0" i="0" u="none" strike="noStrike" cap="none" spc="0" baseline="0">
           <a:solidFill>
             <a:srgbClr val="414141"/>
           </a:solidFill>
@@ -3529,7 +3640,7 @@
         <a:buFont typeface="Zapf Dingbats"/>
         <a:buChar char="❖"/>
         <a:tabLst/>
-        <a:defRPr b="0" baseline="0" cap="none" i="0" spc="0" strike="noStrike" sz="5000" u="none">
+        <a:defRPr sz="5000" b="0" i="0" u="none" strike="noStrike" cap="none" spc="0" baseline="0">
           <a:solidFill>
             <a:srgbClr val="414141"/>
           </a:solidFill>
@@ -3557,7 +3668,7 @@
         <a:buFont typeface="Zapf Dingbats"/>
         <a:buChar char="❖"/>
         <a:tabLst/>
-        <a:defRPr b="0" baseline="0" cap="none" i="0" spc="0" strike="noStrike" sz="5000" u="none">
+        <a:defRPr sz="5000" b="0" i="0" u="none" strike="noStrike" cap="none" spc="0" baseline="0">
           <a:solidFill>
             <a:srgbClr val="414141"/>
           </a:solidFill>
@@ -3585,7 +3696,7 @@
         <a:buFontTx/>
         <a:buNone/>
         <a:tabLst/>
-        <a:defRPr b="0" baseline="0" cap="none" i="0" spc="0" strike="noStrike" sz="2400" u="none">
+        <a:defRPr sz="2400" b="0" i="0" u="none" strike="noStrike" cap="none" spc="0" baseline="0">
           <a:solidFill>
             <a:schemeClr val="tx1"/>
           </a:solidFill>
@@ -3611,7 +3722,7 @@
         <a:buFontTx/>
         <a:buNone/>
         <a:tabLst/>
-        <a:defRPr b="0" baseline="0" cap="none" i="0" spc="0" strike="noStrike" sz="2400" u="none">
+        <a:defRPr sz="2400" b="0" i="0" u="none" strike="noStrike" cap="none" spc="0" baseline="0">
           <a:solidFill>
             <a:schemeClr val="tx1"/>
           </a:solidFill>
@@ -3637,7 +3748,7 @@
         <a:buFontTx/>
         <a:buNone/>
         <a:tabLst/>
-        <a:defRPr b="0" baseline="0" cap="none" i="0" spc="0" strike="noStrike" sz="2400" u="none">
+        <a:defRPr sz="2400" b="0" i="0" u="none" strike="noStrike" cap="none" spc="0" baseline="0">
           <a:solidFill>
             <a:schemeClr val="tx1"/>
           </a:solidFill>
@@ -3663,7 +3774,7 @@
         <a:buFontTx/>
         <a:buNone/>
         <a:tabLst/>
-        <a:defRPr b="0" baseline="0" cap="none" i="0" spc="0" strike="noStrike" sz="2400" u="none">
+        <a:defRPr sz="2400" b="0" i="0" u="none" strike="noStrike" cap="none" spc="0" baseline="0">
           <a:solidFill>
             <a:schemeClr val="tx1"/>
           </a:solidFill>
@@ -3689,7 +3800,7 @@
         <a:buFontTx/>
         <a:buNone/>
         <a:tabLst/>
-        <a:defRPr b="0" baseline="0" cap="none" i="0" spc="0" strike="noStrike" sz="2400" u="none">
+        <a:defRPr sz="2400" b="0" i="0" u="none" strike="noStrike" cap="none" spc="0" baseline="0">
           <a:solidFill>
             <a:schemeClr val="tx1"/>
           </a:solidFill>
@@ -3715,7 +3826,7 @@
         <a:buFontTx/>
         <a:buNone/>
         <a:tabLst/>
-        <a:defRPr b="0" baseline="0" cap="none" i="0" spc="0" strike="noStrike" sz="2400" u="none">
+        <a:defRPr sz="2400" b="0" i="0" u="none" strike="noStrike" cap="none" spc="0" baseline="0">
           <a:solidFill>
             <a:schemeClr val="tx1"/>
           </a:solidFill>
@@ -3741,7 +3852,7 @@
         <a:buFontTx/>
         <a:buNone/>
         <a:tabLst/>
-        <a:defRPr b="0" baseline="0" cap="none" i="0" spc="0" strike="noStrike" sz="2400" u="none">
+        <a:defRPr sz="2400" b="0" i="0" u="none" strike="noStrike" cap="none" spc="0" baseline="0">
           <a:solidFill>
             <a:schemeClr val="tx1"/>
           </a:solidFill>
@@ -3767,7 +3878,7 @@
         <a:buFontTx/>
         <a:buNone/>
         <a:tabLst/>
-        <a:defRPr b="0" baseline="0" cap="none" i="0" spc="0" strike="noStrike" sz="2400" u="none">
+        <a:defRPr sz="2400" b="0" i="0" u="none" strike="noStrike" cap="none" spc="0" baseline="0">
           <a:solidFill>
             <a:schemeClr val="tx1"/>
           </a:solidFill>
@@ -3793,7 +3904,7 @@
         <a:buFontTx/>
         <a:buNone/>
         <a:tabLst/>
-        <a:defRPr b="0" baseline="0" cap="none" i="0" spc="0" strike="noStrike" sz="2400" u="none">
+        <a:defRPr sz="2400" b="0" i="0" u="none" strike="noStrike" cap="none" spc="0" baseline="0">
           <a:solidFill>
             <a:schemeClr val="tx1"/>
           </a:solidFill>
@@ -3810,7 +3921,7 @@
 </file>
 
 <file path=ppt/slides/slide1.xml><?xml version="1.0" encoding="utf-8"?>
-<p:sld xmlns:a="http://schemas.openxmlformats.org/drawingml/2006/main" xmlns:r="http://schemas.openxmlformats.org/officeDocument/2006/relationships" xmlns:p="http://schemas.openxmlformats.org/presentationml/2006/main" xmlns:m="http://schemas.openxmlformats.org/officeDocument/2006/math" xmlns:a14="http://schemas.microsoft.com/office/drawing/2010/main" showMasterSp="1" showMasterPhAnim="1">
+<p:sld xmlns:a="http://schemas.openxmlformats.org/drawingml/2006/main" xmlns:r="http://schemas.openxmlformats.org/officeDocument/2006/relationships" xmlns:p="http://schemas.openxmlformats.org/presentationml/2006/main">
   <p:cSld>
     <p:spTree>
       <p:nvGrpSpPr>
@@ -3829,7 +3940,9 @@
       <p:sp>
         <p:nvSpPr>
           <p:cNvPr id="137" name="Google Shape;96;p14"/>
-          <p:cNvSpPr txBox="1"/>
+          <p:cNvSpPr txBox="1">
+            <a:spLocks noGrp="1"/>
+          </p:cNvSpPr>
           <p:nvPr>
             <p:ph type="title"/>
           </p:nvPr>
@@ -3843,7 +3956,6 @@
           <a:bodyPr/>
           <a:lstStyle/>
           <a:p>
-            <a:pPr/>
             <a:r>
               <a:t>Team</a:t>
             </a:r>
@@ -3853,7 +3965,9 @@
       <p:sp>
         <p:nvSpPr>
           <p:cNvPr id="138" name="Google Shape;97;p14"/>
-          <p:cNvSpPr txBox="1"/>
+          <p:cNvSpPr txBox="1">
+            <a:spLocks noGrp="1"/>
+          </p:cNvSpPr>
           <p:nvPr>
             <p:ph type="body" idx="1"/>
           </p:nvPr>
@@ -3931,7 +4045,7 @@
             <a:br/>
             <a:r>
               <a:rPr u="sng">
-                <a:hlinkClick r:id="rId2" invalidUrl="" action="" tgtFrame="" tooltip="" history="1" highlightClick="0" endSnd="0"/>
+                <a:hlinkClick r:id="rId2"/>
               </a:rPr>
               <a:t>http://vibeme.herokuapp.com</a:t>
             </a:r>
@@ -3979,12 +4093,12 @@
   <p:clrMapOvr>
     <a:masterClrMapping/>
   </p:clrMapOvr>
-  <p:transition xmlns:p14="http://schemas.microsoft.com/office/powerpoint/2010/main" spd="med" advClick="1"/>
+  <p:transition spd="med"/>
 </p:sld>
 </file>
 
 <file path=ppt/slides/slide10.xml><?xml version="1.0" encoding="utf-8"?>
-<p:sld xmlns:a="http://schemas.openxmlformats.org/drawingml/2006/main" xmlns:r="http://schemas.openxmlformats.org/officeDocument/2006/relationships" xmlns:p="http://schemas.openxmlformats.org/presentationml/2006/main" xmlns:m="http://schemas.openxmlformats.org/officeDocument/2006/math" xmlns:a14="http://schemas.microsoft.com/office/drawing/2010/main" showMasterSp="1" showMasterPhAnim="1">
+<p:sld xmlns:a="http://schemas.openxmlformats.org/drawingml/2006/main" xmlns:r="http://schemas.openxmlformats.org/officeDocument/2006/relationships" xmlns:p="http://schemas.openxmlformats.org/presentationml/2006/main">
   <p:cSld>
     <p:spTree>
       <p:nvGrpSpPr>
@@ -4003,7 +4117,9 @@
       <p:sp>
         <p:nvSpPr>
           <p:cNvPr id="166" name="Google Shape;153;p23"/>
-          <p:cNvSpPr txBox="1"/>
+          <p:cNvSpPr txBox="1">
+            <a:spLocks noGrp="1"/>
+          </p:cNvSpPr>
           <p:nvPr>
             <p:ph type="title"/>
           </p:nvPr>
@@ -4017,7 +4133,6 @@
           <a:bodyPr/>
           <a:lstStyle/>
           <a:p>
-            <a:pPr/>
             <a:r>
               <a:t>Financial model and projections</a:t>
             </a:r>
@@ -4027,7 +4142,9 @@
       <p:sp>
         <p:nvSpPr>
           <p:cNvPr id="167" name="Google Shape;154;p23"/>
-          <p:cNvSpPr txBox="1"/>
+          <p:cNvSpPr txBox="1">
+            <a:spLocks noGrp="1"/>
+          </p:cNvSpPr>
           <p:nvPr>
             <p:ph type="body" idx="1"/>
           </p:nvPr>
@@ -4053,6 +4170,10 @@
               </a:defRPr>
             </a:pPr>
             <a:r>
+              <a:rPr lang="en-IN" dirty="0">
+                <a:latin typeface="Palatino" pitchFamily="2" charset="77"/>
+                <a:ea typeface="Palatino" pitchFamily="2" charset="77"/>
+              </a:rPr>
               <a:t>Investment to develop - No such investment till now, some knowledge of technology and hosting is required.</a:t>
             </a:r>
           </a:p>
@@ -4066,6 +4187,10 @@
               </a:defRPr>
             </a:pPr>
             <a:r>
+              <a:rPr lang="en-IN" dirty="0">
+                <a:latin typeface="Palatino" pitchFamily="2" charset="77"/>
+                <a:ea typeface="Palatino" pitchFamily="2" charset="77"/>
+              </a:rPr>
               <a:t>Assumptions - Assuming that our website will be AICTE approved. (Since we will take help of the data provided by them)</a:t>
             </a:r>
           </a:p>
@@ -4079,10 +4204,23 @@
               </a:defRPr>
             </a:pPr>
             <a:r>
+              <a:rPr lang="en-IN" dirty="0">
+                <a:latin typeface="Palatino" pitchFamily="2" charset="77"/>
+                <a:ea typeface="Palatino" pitchFamily="2" charset="77"/>
+              </a:rPr>
               <a:t>Return on Investment - It can become a popular utility, and can get scaled and monetised in future.</a:t>
             </a:r>
-            <a:br/>
-            <a:r>
+            <a:br>
+              <a:rPr lang="en-IN" dirty="0">
+                <a:latin typeface="Palatino" pitchFamily="2" charset="77"/>
+                <a:ea typeface="Palatino" pitchFamily="2" charset="77"/>
+              </a:rPr>
+            </a:br>
+            <a:r>
+              <a:rPr lang="en-IN" dirty="0">
+                <a:latin typeface="Palatino" pitchFamily="2" charset="77"/>
+                <a:ea typeface="Palatino" pitchFamily="2" charset="77"/>
+              </a:rPr>
               <a:t>Scalability can open new derivates and opportunities for our future projects in the longer run.</a:t>
             </a:r>
           </a:p>
@@ -4093,12 +4231,12 @@
   <p:clrMapOvr>
     <a:masterClrMapping/>
   </p:clrMapOvr>
-  <p:transition xmlns:p14="http://schemas.microsoft.com/office/powerpoint/2010/main" spd="med" advClick="1"/>
+  <p:transition spd="med"/>
 </p:sld>
 </file>
 
 <file path=ppt/slides/slide11.xml><?xml version="1.0" encoding="utf-8"?>
-<p:sld xmlns:a="http://schemas.openxmlformats.org/drawingml/2006/main" xmlns:r="http://schemas.openxmlformats.org/officeDocument/2006/relationships" xmlns:p="http://schemas.openxmlformats.org/presentationml/2006/main" xmlns:m="http://schemas.openxmlformats.org/officeDocument/2006/math" xmlns:a14="http://schemas.microsoft.com/office/drawing/2010/main" showMasterSp="1" showMasterPhAnim="1">
+<p:sld xmlns:a="http://schemas.openxmlformats.org/drawingml/2006/main" xmlns:r="http://schemas.openxmlformats.org/officeDocument/2006/relationships" xmlns:p="http://schemas.openxmlformats.org/presentationml/2006/main">
   <p:cSld>
     <p:spTree>
       <p:nvGrpSpPr>
@@ -4117,7 +4255,9 @@
       <p:sp>
         <p:nvSpPr>
           <p:cNvPr id="169" name="Google Shape;159;p24"/>
-          <p:cNvSpPr txBox="1"/>
+          <p:cNvSpPr txBox="1">
+            <a:spLocks noGrp="1"/>
+          </p:cNvSpPr>
           <p:nvPr>
             <p:ph type="title"/>
           </p:nvPr>
@@ -4131,7 +4271,6 @@
           <a:bodyPr/>
           <a:lstStyle/>
           <a:p>
-            <a:pPr/>
             <a:r>
               <a:t>Competitive advantages</a:t>
             </a:r>
@@ -4141,7 +4280,9 @@
       <p:sp>
         <p:nvSpPr>
           <p:cNvPr id="170" name="Google Shape;160;p24"/>
-          <p:cNvSpPr txBox="1"/>
+          <p:cNvSpPr txBox="1">
+            <a:spLocks noGrp="1"/>
+          </p:cNvSpPr>
           <p:nvPr>
             <p:ph type="body" idx="1"/>
           </p:nvPr>
@@ -4161,13 +4302,39 @@
               </a:spcBef>
             </a:pPr>
             <a:r>
+              <a:rPr dirty="0"/>
               <a:t>Partnerships - None</a:t>
             </a:r>
           </a:p>
           <a:p>
             <a:pPr marL="672352" indent="-672352"/>
             <a:r>
-              <a:t>Strengths of technology/Team (USPs) - Our all teams members have expertise in different technology and while in development process we are using some advance technologies/tool like node.js with express framework for backend, bootstrap.jquery ,mongoDB for database.</a:t>
+              <a:rPr dirty="0"/>
+              <a:t>Strengths of technology/Team (USPs) - Our all teams members have expertise in different technology and while in development process we are using some advance technologies/tool like </a:t>
+            </a:r>
+            <a:r>
+              <a:rPr dirty="0" err="1"/>
+              <a:t>node.js</a:t>
+            </a:r>
+            <a:r>
+              <a:rPr dirty="0"/>
+              <a:t> with express framework for backend, </a:t>
+            </a:r>
+            <a:r>
+              <a:rPr dirty="0" err="1"/>
+              <a:t>bootstrap.jquery</a:t>
+            </a:r>
+            <a:r>
+              <a:rPr dirty="0"/>
+              <a:t> ,</a:t>
+            </a:r>
+            <a:r>
+              <a:rPr dirty="0" err="1"/>
+              <a:t>mongoDB</a:t>
+            </a:r>
+            <a:r>
+              <a:rPr dirty="0"/>
+              <a:t> for database.</a:t>
             </a:r>
           </a:p>
         </p:txBody>
@@ -4177,12 +4344,12 @@
   <p:clrMapOvr>
     <a:masterClrMapping/>
   </p:clrMapOvr>
-  <p:transition xmlns:p14="http://schemas.microsoft.com/office/powerpoint/2010/main" spd="med" advClick="1"/>
+  <p:transition spd="med"/>
 </p:sld>
 </file>
 
 <file path=ppt/slides/slide12.xml><?xml version="1.0" encoding="utf-8"?>
-<p:sld xmlns:a="http://schemas.openxmlformats.org/drawingml/2006/main" xmlns:r="http://schemas.openxmlformats.org/officeDocument/2006/relationships" xmlns:p="http://schemas.openxmlformats.org/presentationml/2006/main" xmlns:m="http://schemas.openxmlformats.org/officeDocument/2006/math" xmlns:a14="http://schemas.microsoft.com/office/drawing/2010/main" showMasterSp="1" showMasterPhAnim="1">
+<p:sld xmlns:a="http://schemas.openxmlformats.org/drawingml/2006/main" xmlns:r="http://schemas.openxmlformats.org/officeDocument/2006/relationships" xmlns:p="http://schemas.openxmlformats.org/presentationml/2006/main">
   <p:cSld>
     <p:spTree>
       <p:nvGrpSpPr>
@@ -4201,7 +4368,9 @@
       <p:sp>
         <p:nvSpPr>
           <p:cNvPr id="172" name="Google Shape;165;p25"/>
-          <p:cNvSpPr txBox="1"/>
+          <p:cNvSpPr txBox="1">
+            <a:spLocks noGrp="1"/>
+          </p:cNvSpPr>
           <p:nvPr>
             <p:ph type="title"/>
           </p:nvPr>
@@ -4215,7 +4384,6 @@
           <a:bodyPr/>
           <a:lstStyle/>
           <a:p>
-            <a:pPr/>
             <a:r>
               <a:t>Assumptions and risks</a:t>
             </a:r>
@@ -4225,7 +4393,9 @@
       <p:sp>
         <p:nvSpPr>
           <p:cNvPr id="173" name="Google Shape;166;p25"/>
-          <p:cNvSpPr txBox="1"/>
+          <p:cNvSpPr txBox="1">
+            <a:spLocks noGrp="1"/>
+          </p:cNvSpPr>
           <p:nvPr>
             <p:ph type="body" idx="1"/>
           </p:nvPr>
@@ -4246,54 +4416,107 @@
               <a:defRPr sz="3200"/>
             </a:pPr>
             <a:r>
+              <a:rPr dirty="0"/>
               <a:t>SWOT /PESTEL ANALYSIS - </a:t>
             </a:r>
-            <a:br/>
-            <a:r>
+            <a:br>
+              <a:rPr dirty="0"/>
+            </a:br>
+            <a:r>
+              <a:rPr dirty="0"/>
               <a:t>Strengths :-</a:t>
             </a:r>
-            <a:br/>
-            <a:r>
+            <a:br>
+              <a:rPr dirty="0"/>
+            </a:br>
+            <a:r>
+              <a:rPr dirty="0"/>
               <a:t>- Easy to maintain and develop</a:t>
             </a:r>
-            <a:br/>
-            <a:r>
+            <a:br>
+              <a:rPr dirty="0"/>
+            </a:br>
+            <a:r>
+              <a:rPr dirty="0"/>
               <a:t>- No such investment is required</a:t>
             </a:r>
-            <a:br/>
-            <a:r>
+            <a:br>
+              <a:rPr dirty="0"/>
+            </a:br>
+            <a:r>
+              <a:rPr dirty="0"/>
               <a:t>Weakness :-</a:t>
             </a:r>
-            <a:br/>
-            <a:r>
-              <a:t>- Analysing data is difficult.</a:t>
-            </a:r>
-            <a:br/>
-            <a:r>
+            <a:br>
+              <a:rPr dirty="0"/>
+            </a:br>
+            <a:r>
+              <a:rPr dirty="0"/>
+              <a:t>- </a:t>
+            </a:r>
+            <a:r>
+              <a:rPr dirty="0" err="1"/>
+              <a:t>Analysing</a:t>
+            </a:r>
+            <a:r>
+              <a:rPr dirty="0"/>
+              <a:t> data is difficult.</a:t>
+            </a:r>
+            <a:br>
+              <a:rPr dirty="0"/>
+            </a:br>
+            <a:r>
+              <a:rPr dirty="0"/>
               <a:t>- Very low revenue.</a:t>
             </a:r>
-            <a:br/>
-            <a:r>
+            <a:br>
+              <a:rPr dirty="0"/>
+            </a:br>
+            <a:r>
+              <a:rPr dirty="0"/>
               <a:t>Opportunities :-</a:t>
             </a:r>
-            <a:br/>
-            <a:r>
+            <a:br>
+              <a:rPr dirty="0"/>
+            </a:br>
+            <a:r>
+              <a:rPr dirty="0"/>
               <a:t>- Promotion as a company</a:t>
             </a:r>
-            <a:br/>
-            <a:r>
+            <a:br>
+              <a:rPr dirty="0"/>
+            </a:br>
+            <a:r>
+              <a:rPr dirty="0"/>
               <a:t>- New projects can get a head-start.</a:t>
             </a:r>
-            <a:br/>
-            <a:r>
+            <a:br>
+              <a:rPr dirty="0"/>
+            </a:br>
+            <a:r>
+              <a:rPr dirty="0"/>
               <a:t>Threats :-</a:t>
             </a:r>
-            <a:br/>
-            <a:r>
-              <a:t>- AICTE approval can be challenged.</a:t>
-            </a:r>
-            <a:br/>
-            <a:r>
+            <a:br>
+              <a:rPr dirty="0"/>
+            </a:br>
+            <a:r>
+              <a:rPr dirty="0"/>
+              <a:t>- AICTE approval can be challeng</a:t>
+            </a:r>
+            <a:r>
+              <a:rPr lang="en-US" dirty="0"/>
+              <a:t>ing</a:t>
+            </a:r>
+            <a:r>
+              <a:rPr dirty="0"/>
+              <a:t>.</a:t>
+            </a:r>
+            <a:br>
+              <a:rPr dirty="0"/>
+            </a:br>
+            <a:r>
+              <a:rPr dirty="0"/>
               <a:t>- Contains sensitive data which will be vulnerable if not secured properly.</a:t>
             </a:r>
           </a:p>
@@ -4305,6 +4528,7 @@
               <a:defRPr sz="3200"/>
             </a:pPr>
             <a:r>
+              <a:rPr dirty="0"/>
               <a:t>Risks and precautions : Contains sensitive data which will be vulnerable if not secured properly so for that we need to insure that our database should be protected well .</a:t>
             </a:r>
           </a:p>
@@ -4315,12 +4539,12 @@
   <p:clrMapOvr>
     <a:masterClrMapping/>
   </p:clrMapOvr>
-  <p:transition xmlns:p14="http://schemas.microsoft.com/office/powerpoint/2010/main" spd="med" advClick="1"/>
+  <p:transition spd="med"/>
 </p:sld>
 </file>
 
 <file path=ppt/slides/slide13.xml><?xml version="1.0" encoding="utf-8"?>
-<p:sld xmlns:a="http://schemas.openxmlformats.org/drawingml/2006/main" xmlns:r="http://schemas.openxmlformats.org/officeDocument/2006/relationships" xmlns:p="http://schemas.openxmlformats.org/presentationml/2006/main" xmlns:m="http://schemas.openxmlformats.org/officeDocument/2006/math" xmlns:a14="http://schemas.microsoft.com/office/drawing/2010/main" showMasterSp="1" showMasterPhAnim="1">
+<p:sld xmlns:a="http://schemas.openxmlformats.org/drawingml/2006/main" xmlns:r="http://schemas.openxmlformats.org/officeDocument/2006/relationships" xmlns:p="http://schemas.openxmlformats.org/presentationml/2006/main">
   <p:cSld>
     <p:spTree>
       <p:nvGrpSpPr>
@@ -4339,7 +4563,9 @@
       <p:sp>
         <p:nvSpPr>
           <p:cNvPr id="175" name="Google Shape;171;p26"/>
-          <p:cNvSpPr txBox="1"/>
+          <p:cNvSpPr txBox="1">
+            <a:spLocks noGrp="1"/>
+          </p:cNvSpPr>
           <p:nvPr>
             <p:ph type="title"/>
           </p:nvPr>
@@ -4353,8 +4579,11 @@
           <a:bodyPr/>
           <a:lstStyle/>
           <a:p>
-            <a:pPr/>
-            <a:r>
+            <a:r>
+              <a:rPr dirty="0">
+                <a:latin typeface="Palatino" pitchFamily="2" charset="77"/>
+                <a:ea typeface="Palatino" pitchFamily="2" charset="77"/>
+              </a:rPr>
               <a:t>Summary</a:t>
             </a:r>
           </a:p>
@@ -4363,7 +4592,9 @@
       <p:sp>
         <p:nvSpPr>
           <p:cNvPr id="176" name="Google Shape;172;p26"/>
-          <p:cNvSpPr txBox="1"/>
+          <p:cNvSpPr txBox="1">
+            <a:spLocks noGrp="1"/>
+          </p:cNvSpPr>
           <p:nvPr>
             <p:ph type="body" idx="1"/>
           </p:nvPr>
@@ -4396,9 +4627,26 @@
             </a:lvl1pPr>
           </a:lstStyle>
           <a:p>
-            <a:pPr/>
-            <a:r>
-              <a:t>The universities in India provide various courses in different disciplines and the students have to compare these courses on the basis of various parameters. The courses range from Bachelor, Masters, and P.hd courses. The integration of these details on a single platform will enhance the transparency and remove the difficulty being faced by the students due to lack of information. Our website aims to fulfill all these setbacks.</a:t>
+            <a:r>
+              <a:rPr dirty="0">
+                <a:latin typeface="Palatino" pitchFamily="2" charset="77"/>
+                <a:ea typeface="Palatino" pitchFamily="2" charset="77"/>
+              </a:rPr>
+              <a:t>The universities in India provide various courses in different disciplines and the students have to compare these courses on the basis of various parameters. The courses range from Bachelor, Masters, and Ph</a:t>
+            </a:r>
+            <a:r>
+              <a:rPr lang="en-US" dirty="0">
+                <a:latin typeface="Palatino" pitchFamily="2" charset="77"/>
+                <a:ea typeface="Palatino" pitchFamily="2" charset="77"/>
+              </a:rPr>
+              <a:t>. </a:t>
+            </a:r>
+            <a:r>
+              <a:rPr dirty="0">
+                <a:latin typeface="Palatino" pitchFamily="2" charset="77"/>
+                <a:ea typeface="Palatino" pitchFamily="2" charset="77"/>
+              </a:rPr>
+              <a:t>d courses. The integration of these details on a single platform will enhance the transparency and remove the difficulty being faced by the students due to lack of information. Our website aims to fulfill all these setbacks.</a:t>
             </a:r>
           </a:p>
         </p:txBody>
@@ -4408,12 +4656,12 @@
   <p:clrMapOvr>
     <a:masterClrMapping/>
   </p:clrMapOvr>
-  <p:transition xmlns:p14="http://schemas.microsoft.com/office/powerpoint/2010/main" spd="med" advClick="1"/>
+  <p:transition spd="med"/>
 </p:sld>
 </file>
 
 <file path=ppt/slides/slide2.xml><?xml version="1.0" encoding="utf-8"?>
-<p:sld xmlns:a="http://schemas.openxmlformats.org/drawingml/2006/main" xmlns:r="http://schemas.openxmlformats.org/officeDocument/2006/relationships" xmlns:p="http://schemas.openxmlformats.org/presentationml/2006/main" xmlns:m="http://schemas.openxmlformats.org/officeDocument/2006/math" xmlns:a14="http://schemas.microsoft.com/office/drawing/2010/main" showMasterSp="1" showMasterPhAnim="1">
+<p:sld xmlns:a="http://schemas.openxmlformats.org/drawingml/2006/main" xmlns:r="http://schemas.openxmlformats.org/officeDocument/2006/relationships" xmlns:p="http://schemas.openxmlformats.org/presentationml/2006/main">
   <p:cSld>
     <p:spTree>
       <p:nvGrpSpPr>
@@ -4432,7 +4680,9 @@
       <p:sp>
         <p:nvSpPr>
           <p:cNvPr id="140" name="Google Shape;103;p15"/>
-          <p:cNvSpPr txBox="1"/>
+          <p:cNvSpPr txBox="1">
+            <a:spLocks noGrp="1"/>
+          </p:cNvSpPr>
           <p:nvPr>
             <p:ph type="title"/>
           </p:nvPr>
@@ -4446,8 +4696,11 @@
           <a:bodyPr/>
           <a:lstStyle/>
           <a:p>
-            <a:pPr/>
-            <a:r>
+            <a:r>
+              <a:rPr dirty="0">
+                <a:latin typeface="Palatino" pitchFamily="2" charset="77"/>
+                <a:ea typeface="Palatino" pitchFamily="2" charset="77"/>
+              </a:rPr>
               <a:t>Background</a:t>
             </a:r>
           </a:p>
@@ -4456,7 +4709,9 @@
       <p:sp>
         <p:nvSpPr>
           <p:cNvPr id="141" name="Google Shape;104;p15"/>
-          <p:cNvSpPr txBox="1"/>
+          <p:cNvSpPr txBox="1">
+            <a:spLocks noGrp="1"/>
+          </p:cNvSpPr>
           <p:nvPr>
             <p:ph type="body" idx="1"/>
           </p:nvPr>
@@ -4467,7 +4722,9 @@
           </a:prstGeom>
         </p:spPr>
         <p:txBody>
-          <a:bodyPr/>
+          <a:bodyPr>
+            <a:normAutofit lnSpcReduction="10000"/>
+          </a:bodyPr>
           <a:lstStyle>
             <a:lvl1pPr marL="0" indent="0" defTabSz="457200">
               <a:spcBef>
@@ -4489,8 +4746,11 @@
             </a:lvl1pPr>
           </a:lstStyle>
           <a:p>
-            <a:pPr/>
-            <a:r>
+            <a:r>
+              <a:rPr dirty="0">
+                <a:latin typeface="Palatino" pitchFamily="2" charset="77"/>
+                <a:ea typeface="Palatino" pitchFamily="2" charset="77"/>
+              </a:rPr>
               <a:t>There are more than 1000 universities in India and these universities are offering thousands of undergraduate, post-Graduate, and doctorate courses. The students applying for these universities have to do a lot of comparison for choosing the university/course on the basis of various criteria. A PAN India university information bank is required for accessing course details, comparison of courses, facilities, and faculty, admission, tracking student mobility, viewing results, evaluation and certification, verification of certificates, joint online courses (MOOCs). This will help both student and faculty communities for self-improvement through comparison and emulation. Lack of information is leading to self-glorification and inbreeding among University and College students and faculty members.</a:t>
             </a:r>
           </a:p>
@@ -4501,12 +4761,12 @@
   <p:clrMapOvr>
     <a:masterClrMapping/>
   </p:clrMapOvr>
-  <p:transition xmlns:p14="http://schemas.microsoft.com/office/powerpoint/2010/main" spd="med" advClick="1"/>
+  <p:transition spd="med"/>
 </p:sld>
 </file>
 
 <file path=ppt/slides/slide3.xml><?xml version="1.0" encoding="utf-8"?>
-<p:sld xmlns:a="http://schemas.openxmlformats.org/drawingml/2006/main" xmlns:r="http://schemas.openxmlformats.org/officeDocument/2006/relationships" xmlns:p="http://schemas.openxmlformats.org/presentationml/2006/main" xmlns:m="http://schemas.openxmlformats.org/officeDocument/2006/math" xmlns:a14="http://schemas.microsoft.com/office/drawing/2010/main" showMasterSp="1" showMasterPhAnim="1">
+<p:sld xmlns:a="http://schemas.openxmlformats.org/drawingml/2006/main" xmlns:r="http://schemas.openxmlformats.org/officeDocument/2006/relationships" xmlns:p="http://schemas.openxmlformats.org/presentationml/2006/main">
   <p:cSld>
     <p:spTree>
       <p:nvGrpSpPr>
@@ -4525,7 +4785,9 @@
       <p:sp>
         <p:nvSpPr>
           <p:cNvPr id="143" name="Google Shape;109;p16"/>
-          <p:cNvSpPr txBox="1"/>
+          <p:cNvSpPr txBox="1">
+            <a:spLocks noGrp="1"/>
+          </p:cNvSpPr>
           <p:nvPr>
             <p:ph type="title"/>
           </p:nvPr>
@@ -4539,7 +4801,6 @@
           <a:bodyPr/>
           <a:lstStyle/>
           <a:p>
-            <a:pPr/>
             <a:r>
               <a:t>Problem</a:t>
             </a:r>
@@ -4549,7 +4810,9 @@
       <p:sp>
         <p:nvSpPr>
           <p:cNvPr id="144" name="Google Shape;110;p16"/>
-          <p:cNvSpPr txBox="1"/>
+          <p:cNvSpPr txBox="1">
+            <a:spLocks noGrp="1"/>
+          </p:cNvSpPr>
           <p:nvPr>
             <p:ph type="body" idx="1"/>
           </p:nvPr>
@@ -4569,12 +4832,22 @@
               </a:spcBef>
             </a:pPr>
             <a:r>
-              <a:t>Pain points/Landscape : “Too many cooks spoil the broth”, too many sources(non-credible) show vast amount of information, which differs and in result confuses the student. No course brochure site is approved by AICTE yet, which definitely makes them non-credible for students.Third party sites accessible currently do not involve colleges directly which results in misinformation.</a:t>
+              <a:rPr dirty="0"/>
+              <a:t>Pain points/Landscape : “Too many cooks spoil the broth”, too many sources(non-credible) show vast amount of information, which differs and in result confuses the student. No course brochure site is approved by AICTE yet, which definitely makes them non-credible for </a:t>
+            </a:r>
+            <a:r>
+              <a:rPr dirty="0" err="1"/>
+              <a:t>students.Third</a:t>
+            </a:r>
+            <a:r>
+              <a:rPr dirty="0"/>
+              <a:t> party sites accessible currently do not involve colleges directly which results in misinformation.</a:t>
             </a:r>
           </a:p>
           <a:p>
             <a:pPr marL="672352" indent="-672352"/>
             <a:r>
+              <a:rPr dirty="0"/>
               <a:t>Trends : Our prototype is yet to be tested.</a:t>
             </a:r>
           </a:p>
@@ -4585,12 +4858,12 @@
   <p:clrMapOvr>
     <a:masterClrMapping/>
   </p:clrMapOvr>
-  <p:transition xmlns:p14="http://schemas.microsoft.com/office/powerpoint/2010/main" spd="med" advClick="1"/>
+  <p:transition spd="med"/>
 </p:sld>
 </file>
 
 <file path=ppt/slides/slide4.xml><?xml version="1.0" encoding="utf-8"?>
-<p:sld xmlns:a="http://schemas.openxmlformats.org/drawingml/2006/main" xmlns:r="http://schemas.openxmlformats.org/officeDocument/2006/relationships" xmlns:p="http://schemas.openxmlformats.org/presentationml/2006/main" xmlns:m="http://schemas.openxmlformats.org/officeDocument/2006/math" xmlns:a14="http://schemas.microsoft.com/office/drawing/2010/main" showMasterSp="1" showMasterPhAnim="1">
+<p:sld xmlns:a="http://schemas.openxmlformats.org/drawingml/2006/main" xmlns:r="http://schemas.openxmlformats.org/officeDocument/2006/relationships" xmlns:p="http://schemas.openxmlformats.org/presentationml/2006/main">
   <p:cSld>
     <p:spTree>
       <p:nvGrpSpPr>
@@ -4609,7 +4882,9 @@
       <p:sp>
         <p:nvSpPr>
           <p:cNvPr id="146" name="Google Shape;115;p17"/>
-          <p:cNvSpPr txBox="1"/>
+          <p:cNvSpPr txBox="1">
+            <a:spLocks noGrp="1"/>
+          </p:cNvSpPr>
           <p:nvPr>
             <p:ph type="title"/>
           </p:nvPr>
@@ -4623,7 +4898,6 @@
           <a:bodyPr/>
           <a:lstStyle/>
           <a:p>
-            <a:pPr/>
             <a:r>
               <a:t>Solution</a:t>
             </a:r>
@@ -4633,7 +4907,9 @@
       <p:sp>
         <p:nvSpPr>
           <p:cNvPr id="147" name="Google Shape;116;p17"/>
-          <p:cNvSpPr txBox="1"/>
+          <p:cNvSpPr txBox="1">
+            <a:spLocks noGrp="1"/>
+          </p:cNvSpPr>
           <p:nvPr>
             <p:ph type="body" idx="1"/>
           </p:nvPr>
@@ -4656,6 +4932,7 @@
               <a:t>Proposition : in this site we provide one click solution to the students by which student can do successful transition to college through programs and services in college readiness.</a:t>
             </a:r>
             <a:br/>
+            <a:endParaRPr/>
           </a:p>
           <a:p>
             <a:pPr marL="672352" indent="-672352">
@@ -4674,12 +4951,12 @@
   <p:clrMapOvr>
     <a:masterClrMapping/>
   </p:clrMapOvr>
-  <p:transition xmlns:p14="http://schemas.microsoft.com/office/powerpoint/2010/main" spd="med" advClick="1"/>
+  <p:transition spd="med"/>
 </p:sld>
 </file>
 
 <file path=ppt/slides/slide5.xml><?xml version="1.0" encoding="utf-8"?>
-<p:sld xmlns:a="http://schemas.openxmlformats.org/drawingml/2006/main" xmlns:r="http://schemas.openxmlformats.org/officeDocument/2006/relationships" xmlns:p="http://schemas.openxmlformats.org/presentationml/2006/main" xmlns:m="http://schemas.openxmlformats.org/officeDocument/2006/math" xmlns:a14="http://schemas.microsoft.com/office/drawing/2010/main" showMasterSp="1" showMasterPhAnim="1">
+<p:sld xmlns:a="http://schemas.openxmlformats.org/drawingml/2006/main" xmlns:r="http://schemas.openxmlformats.org/officeDocument/2006/relationships" xmlns:p="http://schemas.openxmlformats.org/presentationml/2006/main">
   <p:cSld>
     <p:spTree>
       <p:nvGrpSpPr>
@@ -4698,7 +4975,9 @@
       <p:sp>
         <p:nvSpPr>
           <p:cNvPr id="149" name="Google Shape;121;p18"/>
-          <p:cNvSpPr txBox="1"/>
+          <p:cNvSpPr txBox="1">
+            <a:spLocks noGrp="1"/>
+          </p:cNvSpPr>
           <p:nvPr>
             <p:ph type="title"/>
           </p:nvPr>
@@ -4712,7 +4991,6 @@
           <a:bodyPr/>
           <a:lstStyle/>
           <a:p>
-            <a:pPr/>
             <a:r>
               <a:t>Market Size</a:t>
             </a:r>
@@ -4722,7 +5000,9 @@
       <p:sp>
         <p:nvSpPr>
           <p:cNvPr id="150" name="Google Shape;122;p18"/>
-          <p:cNvSpPr txBox="1"/>
+          <p:cNvSpPr txBox="1">
+            <a:spLocks noGrp="1"/>
+          </p:cNvSpPr>
           <p:nvPr>
             <p:ph type="body" idx="1"/>
           </p:nvPr>
@@ -4762,12 +5042,12 @@
   <p:clrMapOvr>
     <a:masterClrMapping/>
   </p:clrMapOvr>
-  <p:transition xmlns:p14="http://schemas.microsoft.com/office/powerpoint/2010/main" spd="med" advClick="1"/>
+  <p:transition spd="med"/>
 </p:sld>
 </file>
 
 <file path=ppt/slides/slide6.xml><?xml version="1.0" encoding="utf-8"?>
-<p:sld xmlns:a="http://schemas.openxmlformats.org/drawingml/2006/main" xmlns:r="http://schemas.openxmlformats.org/officeDocument/2006/relationships" xmlns:p="http://schemas.openxmlformats.org/presentationml/2006/main" xmlns:m="http://schemas.openxmlformats.org/officeDocument/2006/math" xmlns:a14="http://schemas.microsoft.com/office/drawing/2010/main" showMasterSp="1" showMasterPhAnim="1">
+<p:sld xmlns:a="http://schemas.openxmlformats.org/drawingml/2006/main" xmlns:r="http://schemas.openxmlformats.org/officeDocument/2006/relationships" xmlns:p="http://schemas.openxmlformats.org/presentationml/2006/main">
   <p:cSld>
     <p:spTree>
       <p:nvGrpSpPr>
@@ -4786,7 +5066,9 @@
       <p:sp>
         <p:nvSpPr>
           <p:cNvPr id="152" name="Google Shape;128;p19"/>
-          <p:cNvSpPr txBox="1"/>
+          <p:cNvSpPr txBox="1">
+            <a:spLocks noGrp="1"/>
+          </p:cNvSpPr>
           <p:nvPr>
             <p:ph type="title"/>
           </p:nvPr>
@@ -4800,7 +5082,6 @@
           <a:bodyPr/>
           <a:lstStyle/>
           <a:p>
-            <a:pPr/>
             <a:r>
               <a:t>Market Validation</a:t>
             </a:r>
@@ -4810,7 +5091,9 @@
       <p:sp>
         <p:nvSpPr>
           <p:cNvPr id="153" name="Google Shape;129;p19"/>
-          <p:cNvSpPr txBox="1"/>
+          <p:cNvSpPr txBox="1">
+            <a:spLocks noGrp="1"/>
+          </p:cNvSpPr>
           <p:nvPr>
             <p:ph type="body" idx="1"/>
           </p:nvPr>
@@ -4830,7 +5113,6 @@
             </a:lvl1pPr>
           </a:lstStyle>
           <a:p>
-            <a:pPr/>
             <a:r>
               <a:t>Development time : We have refined our backend through Node Js and have not hosted our prototype yet, but our total development time would currently is few weeks. Including the ideation and implementation.</a:t>
             </a:r>
@@ -4842,12 +5124,12 @@
   <p:clrMapOvr>
     <a:masterClrMapping/>
   </p:clrMapOvr>
-  <p:transition xmlns:p14="http://schemas.microsoft.com/office/powerpoint/2010/main" spd="med" advClick="1"/>
+  <p:transition spd="med"/>
 </p:sld>
 </file>
 
 <file path=ppt/slides/slide7.xml><?xml version="1.0" encoding="utf-8"?>
-<p:sld xmlns:a="http://schemas.openxmlformats.org/drawingml/2006/main" xmlns:r="http://schemas.openxmlformats.org/officeDocument/2006/relationships" xmlns:p="http://schemas.openxmlformats.org/presentationml/2006/main" xmlns:m="http://schemas.openxmlformats.org/officeDocument/2006/math" xmlns:a14="http://schemas.microsoft.com/office/drawing/2010/main" showMasterSp="1" showMasterPhAnim="1">
+<p:sld xmlns:a="http://schemas.openxmlformats.org/drawingml/2006/main" xmlns:r="http://schemas.openxmlformats.org/officeDocument/2006/relationships" xmlns:p="http://schemas.openxmlformats.org/presentationml/2006/main">
   <p:cSld>
     <p:spTree>
       <p:nvGrpSpPr>
@@ -4866,7 +5148,9 @@
       <p:sp>
         <p:nvSpPr>
           <p:cNvPr id="157" name="Google Shape;134;p20"/>
-          <p:cNvSpPr txBox="1"/>
+          <p:cNvSpPr txBox="1">
+            <a:spLocks noGrp="1"/>
+          </p:cNvSpPr>
           <p:nvPr>
             <p:ph type="title"/>
           </p:nvPr>
@@ -4880,7 +5164,6 @@
           <a:bodyPr/>
           <a:lstStyle/>
           <a:p>
-            <a:pPr/>
             <a:r>
               <a:t>Product</a:t>
             </a:r>
@@ -4890,7 +5173,9 @@
       <p:sp>
         <p:nvSpPr>
           <p:cNvPr id="158" name="Google Shape;135;p20"/>
-          <p:cNvSpPr txBox="1"/>
+          <p:cNvSpPr txBox="1">
+            <a:spLocks noGrp="1"/>
+          </p:cNvSpPr>
           <p:nvPr>
             <p:ph type="body" idx="1"/>
           </p:nvPr>
@@ -4976,12 +5261,12 @@
   <p:clrMapOvr>
     <a:masterClrMapping/>
   </p:clrMapOvr>
-  <p:transition xmlns:p14="http://schemas.microsoft.com/office/powerpoint/2010/main" spd="med" advClick="1"/>
+  <p:transition spd="med"/>
 </p:sld>
 </file>
 
 <file path=ppt/slides/slide8.xml><?xml version="1.0" encoding="utf-8"?>
-<p:sld xmlns:a="http://schemas.openxmlformats.org/drawingml/2006/main" xmlns:r="http://schemas.openxmlformats.org/officeDocument/2006/relationships" xmlns:p="http://schemas.openxmlformats.org/presentationml/2006/main" xmlns:m="http://schemas.openxmlformats.org/officeDocument/2006/math" xmlns:a14="http://schemas.microsoft.com/office/drawing/2010/main" showMasterSp="1" showMasterPhAnim="1">
+<p:sld xmlns:a="http://schemas.openxmlformats.org/drawingml/2006/main" xmlns:r="http://schemas.openxmlformats.org/officeDocument/2006/relationships" xmlns:p="http://schemas.openxmlformats.org/presentationml/2006/main">
   <p:cSld>
     <p:spTree>
       <p:nvGrpSpPr>
@@ -5000,7 +5285,9 @@
       <p:sp>
         <p:nvSpPr>
           <p:cNvPr id="160" name="Google Shape;140;p21"/>
-          <p:cNvSpPr txBox="1"/>
+          <p:cNvSpPr txBox="1">
+            <a:spLocks noGrp="1"/>
+          </p:cNvSpPr>
           <p:nvPr>
             <p:ph type="title"/>
           </p:nvPr>
@@ -5014,7 +5301,6 @@
           <a:bodyPr/>
           <a:lstStyle/>
           <a:p>
-            <a:pPr/>
             <a:r>
               <a:t>Business Model</a:t>
             </a:r>
@@ -5024,7 +5310,9 @@
       <p:sp>
         <p:nvSpPr>
           <p:cNvPr id="161" name="Google Shape;141;p21"/>
-          <p:cNvSpPr txBox="1"/>
+          <p:cNvSpPr txBox="1">
+            <a:spLocks noGrp="1"/>
+          </p:cNvSpPr>
           <p:nvPr>
             <p:ph type="body" idx="1"/>
           </p:nvPr>
@@ -5045,7 +5333,8 @@
               <a:defRPr sz="4800"/>
             </a:pPr>
             <a:r>
-              <a:t>Opportunities- We will definitely be promoted by at least 50% of student population cause the problem which we are trying to bridge is a pivotal point in any college student’s life. Furthermore, internet advertisements or official AICTE advertisement can further increase our sales and opportunity of converting this project.</a:t>
+              <a:rPr dirty="0"/>
+              <a:t>Opportunities- We will definitely be promoted by student population cause the problem which we are trying to bridge is a pivotal point in any college student’s life. Furthermore, internet advertisements or official AICTE advertisement can further increase our sales and opportunity of converting this project.</a:t>
             </a:r>
           </a:p>
           <a:p>
@@ -5056,7 +5345,16 @@
               <a:defRPr sz="4800"/>
             </a:pPr>
             <a:r>
-              <a:t>Sources of revenue - We do not intend to have a source of revenue yet, other than Adsense(money through advertisements(provided by google)) etc.</a:t>
+              <a:rPr dirty="0"/>
+              <a:t>Sources of revenue - We do not intend to have a source of revenue yet, other than </a:t>
+            </a:r>
+            <a:r>
+              <a:rPr dirty="0" err="1"/>
+              <a:t>Adsense</a:t>
+            </a:r>
+            <a:r>
+              <a:rPr dirty="0"/>
+              <a:t>(money through advertisements(provided by google)) etc.</a:t>
             </a:r>
           </a:p>
           <a:p>
@@ -5067,6 +5365,7 @@
               <a:defRPr sz="4800"/>
             </a:pPr>
             <a:r>
+              <a:rPr dirty="0"/>
               <a:t>Intended  customer base - Our product will target high school student category, grad students pursuing master’s category and other interested youth or parents.</a:t>
             </a:r>
           </a:p>
@@ -5077,12 +5376,12 @@
   <p:clrMapOvr>
     <a:masterClrMapping/>
   </p:clrMapOvr>
-  <p:transition xmlns:p14="http://schemas.microsoft.com/office/powerpoint/2010/main" spd="med" advClick="1"/>
+  <p:transition spd="med"/>
 </p:sld>
 </file>
 
 <file path=ppt/slides/slide9.xml><?xml version="1.0" encoding="utf-8"?>
-<p:sld xmlns:a="http://schemas.openxmlformats.org/drawingml/2006/main" xmlns:r="http://schemas.openxmlformats.org/officeDocument/2006/relationships" xmlns:p="http://schemas.openxmlformats.org/presentationml/2006/main" xmlns:m="http://schemas.openxmlformats.org/officeDocument/2006/math" xmlns:a14="http://schemas.microsoft.com/office/drawing/2010/main" showMasterSp="1" showMasterPhAnim="1">
+<p:sld xmlns:a="http://schemas.openxmlformats.org/drawingml/2006/main" xmlns:r="http://schemas.openxmlformats.org/officeDocument/2006/relationships" xmlns:p="http://schemas.openxmlformats.org/presentationml/2006/main">
   <p:cSld>
     <p:spTree>
       <p:nvGrpSpPr>
@@ -5101,7 +5400,9 @@
       <p:sp>
         <p:nvSpPr>
           <p:cNvPr id="163" name="Google Shape;146;p22"/>
-          <p:cNvSpPr txBox="1"/>
+          <p:cNvSpPr txBox="1">
+            <a:spLocks noGrp="1"/>
+          </p:cNvSpPr>
           <p:nvPr>
             <p:ph type="title"/>
           </p:nvPr>
@@ -5115,7 +5416,6 @@
           <a:bodyPr/>
           <a:lstStyle/>
           <a:p>
-            <a:pPr/>
             <a:r>
               <a:t>Competition</a:t>
             </a:r>
@@ -5125,7 +5425,9 @@
       <p:sp>
         <p:nvSpPr>
           <p:cNvPr id="164" name="Google Shape;147;p22"/>
-          <p:cNvSpPr txBox="1"/>
+          <p:cNvSpPr txBox="1">
+            <a:spLocks noGrp="1"/>
+          </p:cNvSpPr>
           <p:nvPr>
             <p:ph type="body" idx="1"/>
           </p:nvPr>
@@ -5145,11 +5447,31 @@
               </a:spcBef>
             </a:pPr>
             <a:r>
+              <a:rPr dirty="0"/>
               <a:t>Defensibility - Our product will turn out to be more trustable and accessible than other similar sites.</a:t>
             </a:r>
-            <a:br/>
-            <a:r>
-              <a:t>Our site has organised pre-analysed information in categories and comparisons, which will automatically give us an upper hand than other pre-existing sites.</a:t>
+            <a:br>
+              <a:rPr dirty="0"/>
+            </a:br>
+            <a:r>
+              <a:rPr dirty="0"/>
+              <a:t>Our site has </a:t>
+            </a:r>
+            <a:r>
+              <a:rPr dirty="0" err="1"/>
+              <a:t>organised</a:t>
+            </a:r>
+            <a:r>
+              <a:rPr dirty="0"/>
+              <a:t> pre-</a:t>
+            </a:r>
+            <a:r>
+              <a:rPr dirty="0" err="1"/>
+              <a:t>analysed</a:t>
+            </a:r>
+            <a:r>
+              <a:rPr dirty="0"/>
+              <a:t> information in categories and comparisons, which will automatically give us an upper hand than other pre-existing sites.</a:t>
             </a:r>
           </a:p>
           <a:p>
@@ -5159,8 +5481,21 @@
               </a:spcBef>
             </a:pPr>
             <a:r>
-              <a:t>Niche (unique point) : Our website is free of cost unlike our other paid competitors in the market .</a:t>
-            </a:r>
+              <a:rPr dirty="0"/>
+              <a:t>Niche (unique point) : </a:t>
+            </a:r>
+            <a:r>
+              <a:rPr lang="en-US" dirty="0"/>
+              <a:t>AICTE approved integration of so many courses </a:t>
+            </a:r>
+            <a:br>
+              <a:rPr lang="en-US" dirty="0"/>
+            </a:br>
+            <a:r>
+              <a:rPr lang="en-US" dirty="0"/>
+              <a:t>is a novel idea.</a:t>
+            </a:r>
+            <a:endParaRPr dirty="0"/>
           </a:p>
         </p:txBody>
       </p:sp>
@@ -5169,12 +5504,12 @@
   <p:clrMapOvr>
     <a:masterClrMapping/>
   </p:clrMapOvr>
-  <p:transition xmlns:p14="http://schemas.microsoft.com/office/powerpoint/2010/main" spd="med" advClick="1"/>
+  <p:transition spd="med"/>
 </p:sld>
 </file>
 
 <file path=ppt/theme/theme1.xml><?xml version="1.0" encoding="utf-8"?>
-<a:theme xmlns:a="http://schemas.openxmlformats.org/drawingml/2006/main" xmlns:r="http://schemas.openxmlformats.org/officeDocument/2006/relationships" name="New_Template4">
+<a:theme xmlns:a="http://schemas.openxmlformats.org/drawingml/2006/main" name="New_Template4">
   <a:themeElements>
     <a:clrScheme name="New_Template4">
       <a:dk1>
@@ -5364,8 +5699,8 @@
     <a:spDef>
       <a:spPr>
         <a:blipFill rotWithShape="1">
-          <a:blip r:embed="rId1"/>
-          <a:srcRect l="0" t="0" r="0" b="0"/>
+          <a:blip xmlns:r="http://schemas.openxmlformats.org/officeDocument/2006/relationships" r:embed="rId1"/>
+          <a:srcRect/>
           <a:tile tx="0" ty="0" sx="100000" sy="100000" flip="none" algn="tl"/>
         </a:blipFill>
         <a:ln w="12700" cap="flat">
@@ -5375,7 +5710,7 @@
         <a:effectLst/>
         <a:sp3d/>
       </a:spPr>
-      <a:bodyPr rot="0" spcFirstLastPara="1" vertOverflow="overflow" horzOverflow="overflow" vert="horz" wrap="square" lIns="50800" tIns="50800" rIns="50800" bIns="50800" numCol="1" spcCol="38100" rtlCol="0" anchor="ctr" upright="0">
+      <a:bodyPr rot="0" spcFirstLastPara="1" vertOverflow="overflow" horzOverflow="overflow" vert="horz" wrap="square" lIns="50800" tIns="50800" rIns="50800" bIns="50800" numCol="1" spcCol="38100" rtlCol="0" anchor="ctr">
         <a:spAutoFit/>
       </a:bodyPr>
       <a:lstStyle>
@@ -5394,7 +5729,7 @@
           <a:buFontTx/>
           <a:buNone/>
           <a:tabLst/>
-          <a:defRPr b="0" baseline="0" cap="none" i="0" spc="0" strike="noStrike" sz="4400" u="none" kumimoji="0" normalizeH="0">
+          <a:defRPr kumimoji="0" sz="4400" b="0" i="0" u="none" strike="noStrike" cap="none" spc="0" normalizeH="0" baseline="0">
             <a:ln>
               <a:noFill/>
             </a:ln>
@@ -5402,7 +5737,7 @@
               <a:srgbClr val="FFFFFF"/>
             </a:solidFill>
             <a:effectLst>
-              <a:outerShdw sx="100000" sy="100000" kx="0" ky="0" algn="b" rotWithShape="0" blurRad="25400" dist="33948" dir="2700000">
+              <a:outerShdw blurRad="25400" dist="33948" dir="2700000" rotWithShape="0">
                 <a:srgbClr val="3B3936"/>
               </a:outerShdw>
             </a:effectLst>
@@ -5428,7 +5763,7 @@
           <a:buFontTx/>
           <a:buNone/>
           <a:tabLst/>
-          <a:defRPr b="0" baseline="0" cap="none" i="0" spc="0" strike="noStrike" sz="1800" u="none" kumimoji="0" normalizeH="0">
+          <a:defRPr kumimoji="0" sz="1800" b="0" i="0" u="none" strike="noStrike" cap="none" spc="0" normalizeH="0" baseline="0">
             <a:ln>
               <a:noFill/>
             </a:ln>
@@ -5454,7 +5789,7 @@
           <a:buFontTx/>
           <a:buNone/>
           <a:tabLst/>
-          <a:defRPr b="0" baseline="0" cap="none" i="0" spc="0" strike="noStrike" sz="1800" u="none" kumimoji="0" normalizeH="0">
+          <a:defRPr kumimoji="0" sz="1800" b="0" i="0" u="none" strike="noStrike" cap="none" spc="0" normalizeH="0" baseline="0">
             <a:ln>
               <a:noFill/>
             </a:ln>
@@ -5480,7 +5815,7 @@
           <a:buFontTx/>
           <a:buNone/>
           <a:tabLst/>
-          <a:defRPr b="0" baseline="0" cap="none" i="0" spc="0" strike="noStrike" sz="1800" u="none" kumimoji="0" normalizeH="0">
+          <a:defRPr kumimoji="0" sz="1800" b="0" i="0" u="none" strike="noStrike" cap="none" spc="0" normalizeH="0" baseline="0">
             <a:ln>
               <a:noFill/>
             </a:ln>
@@ -5506,7 +5841,7 @@
           <a:buFontTx/>
           <a:buNone/>
           <a:tabLst/>
-          <a:defRPr b="0" baseline="0" cap="none" i="0" spc="0" strike="noStrike" sz="1800" u="none" kumimoji="0" normalizeH="0">
+          <a:defRPr kumimoji="0" sz="1800" b="0" i="0" u="none" strike="noStrike" cap="none" spc="0" normalizeH="0" baseline="0">
             <a:ln>
               <a:noFill/>
             </a:ln>
@@ -5532,7 +5867,7 @@
           <a:buFontTx/>
           <a:buNone/>
           <a:tabLst/>
-          <a:defRPr b="0" baseline="0" cap="none" i="0" spc="0" strike="noStrike" sz="1800" u="none" kumimoji="0" normalizeH="0">
+          <a:defRPr kumimoji="0" sz="1800" b="0" i="0" u="none" strike="noStrike" cap="none" spc="0" normalizeH="0" baseline="0">
             <a:ln>
               <a:noFill/>
             </a:ln>
@@ -5558,7 +5893,7 @@
           <a:buFontTx/>
           <a:buNone/>
           <a:tabLst/>
-          <a:defRPr b="0" baseline="0" cap="none" i="0" spc="0" strike="noStrike" sz="1800" u="none" kumimoji="0" normalizeH="0">
+          <a:defRPr kumimoji="0" sz="1800" b="0" i="0" u="none" strike="noStrike" cap="none" spc="0" normalizeH="0" baseline="0">
             <a:ln>
               <a:noFill/>
             </a:ln>
@@ -5584,7 +5919,7 @@
           <a:buFontTx/>
           <a:buNone/>
           <a:tabLst/>
-          <a:defRPr b="0" baseline="0" cap="none" i="0" spc="0" strike="noStrike" sz="1800" u="none" kumimoji="0" normalizeH="0">
+          <a:defRPr kumimoji="0" sz="1800" b="0" i="0" u="none" strike="noStrike" cap="none" spc="0" normalizeH="0" baseline="0">
             <a:ln>
               <a:noFill/>
             </a:ln>
@@ -5610,7 +5945,7 @@
           <a:buFontTx/>
           <a:buNone/>
           <a:tabLst/>
-          <a:defRPr b="0" baseline="0" cap="none" i="0" spc="0" strike="noStrike" sz="1800" u="none" kumimoji="0" normalizeH="0">
+          <a:defRPr kumimoji="0" sz="1800" b="0" i="0" u="none" strike="noStrike" cap="none" spc="0" normalizeH="0" baseline="0">
             <a:ln>
               <a:noFill/>
             </a:ln>
@@ -5636,7 +5971,7 @@
           <a:buFontTx/>
           <a:buNone/>
           <a:tabLst/>
-          <a:defRPr b="0" baseline="0" cap="none" i="0" spc="0" strike="noStrike" sz="1800" u="none" kumimoji="0" normalizeH="0">
+          <a:defRPr kumimoji="0" sz="1800" b="0" i="0" u="none" strike="noStrike" cap="none" spc="0" normalizeH="0" baseline="0">
             <a:ln>
               <a:noFill/>
             </a:ln>
@@ -5649,9 +5984,15 @@
         </a:lvl9pPr>
       </a:lstStyle>
       <a:style>
-        <a:lnRef idx="0"/>
-        <a:fillRef idx="0"/>
-        <a:effectRef idx="0"/>
+        <a:lnRef idx="0">
+          <a:scrgbClr r="0" g="0" b="0"/>
+        </a:lnRef>
+        <a:fillRef idx="0">
+          <a:scrgbClr r="0" g="0" b="0"/>
+        </a:fillRef>
+        <a:effectRef idx="0">
+          <a:scrgbClr r="0" g="0" b="0"/>
+        </a:effectRef>
         <a:fontRef idx="none"/>
       </a:style>
     </a:spDef>
@@ -5668,7 +6009,7 @@
         <a:effectLst/>
         <a:sp3d/>
       </a:spPr>
-      <a:bodyPr rot="0" spcFirstLastPara="1" vertOverflow="overflow" horzOverflow="overflow" vert="horz" wrap="square" lIns="91439" tIns="45719" rIns="91439" bIns="45719" numCol="1" spcCol="38100" rtlCol="0" anchor="t" upright="0">
+      <a:bodyPr rot="0" spcFirstLastPara="1" vertOverflow="overflow" horzOverflow="overflow" vert="horz" wrap="square" lIns="91439" tIns="45719" rIns="91439" bIns="45719" numCol="1" spcCol="38100" rtlCol="0" anchor="t">
         <a:noAutofit/>
       </a:bodyPr>
       <a:lstStyle>
@@ -5687,7 +6028,7 @@
           <a:buFontTx/>
           <a:buNone/>
           <a:tabLst/>
-          <a:defRPr b="0" baseline="0" cap="none" i="0" spc="0" strike="noStrike" sz="1800" u="none" kumimoji="0" normalizeH="0">
+          <a:defRPr kumimoji="0" sz="1800" b="0" i="0" u="none" strike="noStrike" cap="none" spc="0" normalizeH="0" baseline="0">
             <a:ln>
               <a:noFill/>
             </a:ln>
@@ -5713,7 +6054,7 @@
           <a:buFontTx/>
           <a:buNone/>
           <a:tabLst/>
-          <a:defRPr b="0" baseline="0" cap="none" i="0" spc="0" strike="noStrike" sz="1800" u="none" kumimoji="0" normalizeH="0">
+          <a:defRPr kumimoji="0" sz="1800" b="0" i="0" u="none" strike="noStrike" cap="none" spc="0" normalizeH="0" baseline="0">
             <a:ln>
               <a:noFill/>
             </a:ln>
@@ -5739,7 +6080,7 @@
           <a:buFontTx/>
           <a:buNone/>
           <a:tabLst/>
-          <a:defRPr b="0" baseline="0" cap="none" i="0" spc="0" strike="noStrike" sz="1800" u="none" kumimoji="0" normalizeH="0">
+          <a:defRPr kumimoji="0" sz="1800" b="0" i="0" u="none" strike="noStrike" cap="none" spc="0" normalizeH="0" baseline="0">
             <a:ln>
               <a:noFill/>
             </a:ln>
@@ -5765,7 +6106,7 @@
           <a:buFontTx/>
           <a:buNone/>
           <a:tabLst/>
-          <a:defRPr b="0" baseline="0" cap="none" i="0" spc="0" strike="noStrike" sz="1800" u="none" kumimoji="0" normalizeH="0">
+          <a:defRPr kumimoji="0" sz="1800" b="0" i="0" u="none" strike="noStrike" cap="none" spc="0" normalizeH="0" baseline="0">
             <a:ln>
               <a:noFill/>
             </a:ln>
@@ -5791,7 +6132,7 @@
           <a:buFontTx/>
           <a:buNone/>
           <a:tabLst/>
-          <a:defRPr b="0" baseline="0" cap="none" i="0" spc="0" strike="noStrike" sz="1800" u="none" kumimoji="0" normalizeH="0">
+          <a:defRPr kumimoji="0" sz="1800" b="0" i="0" u="none" strike="noStrike" cap="none" spc="0" normalizeH="0" baseline="0">
             <a:ln>
               <a:noFill/>
             </a:ln>
@@ -5817,7 +6158,7 @@
           <a:buFontTx/>
           <a:buNone/>
           <a:tabLst/>
-          <a:defRPr b="0" baseline="0" cap="none" i="0" spc="0" strike="noStrike" sz="1800" u="none" kumimoji="0" normalizeH="0">
+          <a:defRPr kumimoji="0" sz="1800" b="0" i="0" u="none" strike="noStrike" cap="none" spc="0" normalizeH="0" baseline="0">
             <a:ln>
               <a:noFill/>
             </a:ln>
@@ -5843,7 +6184,7 @@
           <a:buFontTx/>
           <a:buNone/>
           <a:tabLst/>
-          <a:defRPr b="0" baseline="0" cap="none" i="0" spc="0" strike="noStrike" sz="1800" u="none" kumimoji="0" normalizeH="0">
+          <a:defRPr kumimoji="0" sz="1800" b="0" i="0" u="none" strike="noStrike" cap="none" spc="0" normalizeH="0" baseline="0">
             <a:ln>
               <a:noFill/>
             </a:ln>
@@ -5869,7 +6210,7 @@
           <a:buFontTx/>
           <a:buNone/>
           <a:tabLst/>
-          <a:defRPr b="0" baseline="0" cap="none" i="0" spc="0" strike="noStrike" sz="1800" u="none" kumimoji="0" normalizeH="0">
+          <a:defRPr kumimoji="0" sz="1800" b="0" i="0" u="none" strike="noStrike" cap="none" spc="0" normalizeH="0" baseline="0">
             <a:ln>
               <a:noFill/>
             </a:ln>
@@ -5895,7 +6236,7 @@
           <a:buFontTx/>
           <a:buNone/>
           <a:tabLst/>
-          <a:defRPr b="0" baseline="0" cap="none" i="0" spc="0" strike="noStrike" sz="1800" u="none" kumimoji="0" normalizeH="0">
+          <a:defRPr kumimoji="0" sz="1800" b="0" i="0" u="none" strike="noStrike" cap="none" spc="0" normalizeH="0" baseline="0">
             <a:ln>
               <a:noFill/>
             </a:ln>
@@ -5921,7 +6262,7 @@
           <a:buFontTx/>
           <a:buNone/>
           <a:tabLst/>
-          <a:defRPr b="0" baseline="0" cap="none" i="0" spc="0" strike="noStrike" sz="1800" u="none" kumimoji="0" normalizeH="0">
+          <a:defRPr kumimoji="0" sz="1800" b="0" i="0" u="none" strike="noStrike" cap="none" spc="0" normalizeH="0" baseline="0">
             <a:ln>
               <a:noFill/>
             </a:ln>
@@ -5934,9 +6275,15 @@
         </a:lvl9pPr>
       </a:lstStyle>
       <a:style>
-        <a:lnRef idx="0"/>
-        <a:fillRef idx="0"/>
-        <a:effectRef idx="0"/>
+        <a:lnRef idx="0">
+          <a:scrgbClr r="0" g="0" b="0"/>
+        </a:lnRef>
+        <a:fillRef idx="0">
+          <a:scrgbClr r="0" g="0" b="0"/>
+        </a:fillRef>
+        <a:effectRef idx="0">
+          <a:scrgbClr r="0" g="0" b="0"/>
+        </a:effectRef>
         <a:fontRef idx="none"/>
       </a:style>
     </a:lnDef>
@@ -5950,7 +6297,7 @@
         <a:effectLst/>
         <a:sp3d/>
       </a:spPr>
-      <a:bodyPr rot="0" spcFirstLastPara="1" vertOverflow="overflow" horzOverflow="overflow" vert="horz" wrap="square" lIns="50800" tIns="50800" rIns="50800" bIns="50800" numCol="1" spcCol="38100" rtlCol="0" anchor="ctr" upright="0">
+      <a:bodyPr rot="0" spcFirstLastPara="1" vertOverflow="overflow" horzOverflow="overflow" vert="horz" wrap="square" lIns="50800" tIns="50800" rIns="50800" bIns="50800" numCol="1" spcCol="38100" rtlCol="0" anchor="ctr">
         <a:spAutoFit/>
       </a:bodyPr>
       <a:lstStyle>
@@ -5969,7 +6316,7 @@
           <a:buFontTx/>
           <a:buNone/>
           <a:tabLst/>
-          <a:defRPr b="0" baseline="0" cap="none" i="0" spc="0" strike="noStrike" sz="3200" u="none" kumimoji="0" normalizeH="0">
+          <a:defRPr kumimoji="0" sz="3200" b="0" i="0" u="none" strike="noStrike" cap="none" spc="0" normalizeH="0" baseline="0">
             <a:ln>
               <a:noFill/>
             </a:ln>
@@ -5999,7 +6346,7 @@
           <a:buFontTx/>
           <a:buNone/>
           <a:tabLst/>
-          <a:defRPr b="0" baseline="0" cap="none" i="0" spc="0" strike="noStrike" sz="1800" u="none" kumimoji="0" normalizeH="0">
+          <a:defRPr kumimoji="0" sz="1800" b="0" i="0" u="none" strike="noStrike" cap="none" spc="0" normalizeH="0" baseline="0">
             <a:ln>
               <a:noFill/>
             </a:ln>
@@ -6025,7 +6372,7 @@
           <a:buFontTx/>
           <a:buNone/>
           <a:tabLst/>
-          <a:defRPr b="0" baseline="0" cap="none" i="0" spc="0" strike="noStrike" sz="1800" u="none" kumimoji="0" normalizeH="0">
+          <a:defRPr kumimoji="0" sz="1800" b="0" i="0" u="none" strike="noStrike" cap="none" spc="0" normalizeH="0" baseline="0">
             <a:ln>
               <a:noFill/>
             </a:ln>
@@ -6051,7 +6398,7 @@
           <a:buFontTx/>
           <a:buNone/>
           <a:tabLst/>
-          <a:defRPr b="0" baseline="0" cap="none" i="0" spc="0" strike="noStrike" sz="1800" u="none" kumimoji="0" normalizeH="0">
+          <a:defRPr kumimoji="0" sz="1800" b="0" i="0" u="none" strike="noStrike" cap="none" spc="0" normalizeH="0" baseline="0">
             <a:ln>
               <a:noFill/>
             </a:ln>
@@ -6077,7 +6424,7 @@
           <a:buFontTx/>
           <a:buNone/>
           <a:tabLst/>
-          <a:defRPr b="0" baseline="0" cap="none" i="0" spc="0" strike="noStrike" sz="1800" u="none" kumimoji="0" normalizeH="0">
+          <a:defRPr kumimoji="0" sz="1800" b="0" i="0" u="none" strike="noStrike" cap="none" spc="0" normalizeH="0" baseline="0">
             <a:ln>
               <a:noFill/>
             </a:ln>
@@ -6103,7 +6450,7 @@
           <a:buFontTx/>
           <a:buNone/>
           <a:tabLst/>
-          <a:defRPr b="0" baseline="0" cap="none" i="0" spc="0" strike="noStrike" sz="1800" u="none" kumimoji="0" normalizeH="0">
+          <a:defRPr kumimoji="0" sz="1800" b="0" i="0" u="none" strike="noStrike" cap="none" spc="0" normalizeH="0" baseline="0">
             <a:ln>
               <a:noFill/>
             </a:ln>
@@ -6129,7 +6476,7 @@
           <a:buFontTx/>
           <a:buNone/>
           <a:tabLst/>
-          <a:defRPr b="0" baseline="0" cap="none" i="0" spc="0" strike="noStrike" sz="1800" u="none" kumimoji="0" normalizeH="0">
+          <a:defRPr kumimoji="0" sz="1800" b="0" i="0" u="none" strike="noStrike" cap="none" spc="0" normalizeH="0" baseline="0">
             <a:ln>
               <a:noFill/>
             </a:ln>
@@ -6155,7 +6502,7 @@
           <a:buFontTx/>
           <a:buNone/>
           <a:tabLst/>
-          <a:defRPr b="0" baseline="0" cap="none" i="0" spc="0" strike="noStrike" sz="1800" u="none" kumimoji="0" normalizeH="0">
+          <a:defRPr kumimoji="0" sz="1800" b="0" i="0" u="none" strike="noStrike" cap="none" spc="0" normalizeH="0" baseline="0">
             <a:ln>
               <a:noFill/>
             </a:ln>
@@ -6181,7 +6528,7 @@
           <a:buFontTx/>
           <a:buNone/>
           <a:tabLst/>
-          <a:defRPr b="0" baseline="0" cap="none" i="0" spc="0" strike="noStrike" sz="1800" u="none" kumimoji="0" normalizeH="0">
+          <a:defRPr kumimoji="0" sz="1800" b="0" i="0" u="none" strike="noStrike" cap="none" spc="0" normalizeH="0" baseline="0">
             <a:ln>
               <a:noFill/>
             </a:ln>
@@ -6207,7 +6554,7 @@
           <a:buFontTx/>
           <a:buNone/>
           <a:tabLst/>
-          <a:defRPr b="0" baseline="0" cap="none" i="0" spc="0" strike="noStrike" sz="1800" u="none" kumimoji="0" normalizeH="0">
+          <a:defRPr kumimoji="0" sz="1800" b="0" i="0" u="none" strike="noStrike" cap="none" spc="0" normalizeH="0" baseline="0">
             <a:ln>
               <a:noFill/>
             </a:ln>
@@ -6220,18 +6567,25 @@
         </a:lvl9pPr>
       </a:lstStyle>
       <a:style>
-        <a:lnRef idx="0"/>
-        <a:fillRef idx="0"/>
-        <a:effectRef idx="0"/>
+        <a:lnRef idx="0">
+          <a:scrgbClr r="0" g="0" b="0"/>
+        </a:lnRef>
+        <a:fillRef idx="0">
+          <a:scrgbClr r="0" g="0" b="0"/>
+        </a:fillRef>
+        <a:effectRef idx="0">
+          <a:scrgbClr r="0" g="0" b="0"/>
+        </a:effectRef>
         <a:fontRef idx="none"/>
       </a:style>
     </a:txDef>
   </a:objectDefaults>
+  <a:extraClrSchemeLst/>
 </a:theme>
 </file>
 
 <file path=ppt/theme/theme2.xml><?xml version="1.0" encoding="utf-8"?>
-<a:theme xmlns:a="http://schemas.openxmlformats.org/drawingml/2006/main" xmlns:r="http://schemas.openxmlformats.org/officeDocument/2006/relationships" name="New_Template4">
+<a:theme xmlns:a="http://schemas.openxmlformats.org/drawingml/2006/main" name="New_Template4">
   <a:themeElements>
     <a:clrScheme name="New_Template4">
       <a:dk1>
@@ -6421,8 +6775,8 @@
     <a:spDef>
       <a:spPr>
         <a:blipFill rotWithShape="1">
-          <a:blip r:embed="rId1"/>
-          <a:srcRect l="0" t="0" r="0" b="0"/>
+          <a:blip xmlns:r="http://schemas.openxmlformats.org/officeDocument/2006/relationships" r:embed="rId1"/>
+          <a:srcRect/>
           <a:tile tx="0" ty="0" sx="100000" sy="100000" flip="none" algn="tl"/>
         </a:blipFill>
         <a:ln w="12700" cap="flat">
@@ -6432,7 +6786,7 @@
         <a:effectLst/>
         <a:sp3d/>
       </a:spPr>
-      <a:bodyPr rot="0" spcFirstLastPara="1" vertOverflow="overflow" horzOverflow="overflow" vert="horz" wrap="square" lIns="50800" tIns="50800" rIns="50800" bIns="50800" numCol="1" spcCol="38100" rtlCol="0" anchor="ctr" upright="0">
+      <a:bodyPr rot="0" spcFirstLastPara="1" vertOverflow="overflow" horzOverflow="overflow" vert="horz" wrap="square" lIns="50800" tIns="50800" rIns="50800" bIns="50800" numCol="1" spcCol="38100" rtlCol="0" anchor="ctr">
         <a:spAutoFit/>
       </a:bodyPr>
       <a:lstStyle>
@@ -6451,7 +6805,7 @@
           <a:buFontTx/>
           <a:buNone/>
           <a:tabLst/>
-          <a:defRPr b="0" baseline="0" cap="none" i="0" spc="0" strike="noStrike" sz="4400" u="none" kumimoji="0" normalizeH="0">
+          <a:defRPr kumimoji="0" sz="4400" b="0" i="0" u="none" strike="noStrike" cap="none" spc="0" normalizeH="0" baseline="0">
             <a:ln>
               <a:noFill/>
             </a:ln>
@@ -6459,7 +6813,7 @@
               <a:srgbClr val="FFFFFF"/>
             </a:solidFill>
             <a:effectLst>
-              <a:outerShdw sx="100000" sy="100000" kx="0" ky="0" algn="b" rotWithShape="0" blurRad="25400" dist="33948" dir="2700000">
+              <a:outerShdw blurRad="25400" dist="33948" dir="2700000" rotWithShape="0">
                 <a:srgbClr val="3B3936"/>
               </a:outerShdw>
             </a:effectLst>
@@ -6485,7 +6839,7 @@
           <a:buFontTx/>
           <a:buNone/>
           <a:tabLst/>
-          <a:defRPr b="0" baseline="0" cap="none" i="0" spc="0" strike="noStrike" sz="1800" u="none" kumimoji="0" normalizeH="0">
+          <a:defRPr kumimoji="0" sz="1800" b="0" i="0" u="none" strike="noStrike" cap="none" spc="0" normalizeH="0" baseline="0">
             <a:ln>
               <a:noFill/>
             </a:ln>
@@ -6511,7 +6865,7 @@
           <a:buFontTx/>
           <a:buNone/>
           <a:tabLst/>
-          <a:defRPr b="0" baseline="0" cap="none" i="0" spc="0" strike="noStrike" sz="1800" u="none" kumimoji="0" normalizeH="0">
+          <a:defRPr kumimoji="0" sz="1800" b="0" i="0" u="none" strike="noStrike" cap="none" spc="0" normalizeH="0" baseline="0">
             <a:ln>
               <a:noFill/>
             </a:ln>
@@ -6537,7 +6891,7 @@
           <a:buFontTx/>
           <a:buNone/>
           <a:tabLst/>
-          <a:defRPr b="0" baseline="0" cap="none" i="0" spc="0" strike="noStrike" sz="1800" u="none" kumimoji="0" normalizeH="0">
+          <a:defRPr kumimoji="0" sz="1800" b="0" i="0" u="none" strike="noStrike" cap="none" spc="0" normalizeH="0" baseline="0">
             <a:ln>
               <a:noFill/>
             </a:ln>
@@ -6563,7 +6917,7 @@
           <a:buFontTx/>
           <a:buNone/>
           <a:tabLst/>
-          <a:defRPr b="0" baseline="0" cap="none" i="0" spc="0" strike="noStrike" sz="1800" u="none" kumimoji="0" normalizeH="0">
+          <a:defRPr kumimoji="0" sz="1800" b="0" i="0" u="none" strike="noStrike" cap="none" spc="0" normalizeH="0" baseline="0">
             <a:ln>
               <a:noFill/>
             </a:ln>
@@ -6589,7 +6943,7 @@
           <a:buFontTx/>
           <a:buNone/>
           <a:tabLst/>
-          <a:defRPr b="0" baseline="0" cap="none" i="0" spc="0" strike="noStrike" sz="1800" u="none" kumimoji="0" normalizeH="0">
+          <a:defRPr kumimoji="0" sz="1800" b="0" i="0" u="none" strike="noStrike" cap="none" spc="0" normalizeH="0" baseline="0">
             <a:ln>
               <a:noFill/>
             </a:ln>
@@ -6615,7 +6969,7 @@
           <a:buFontTx/>
           <a:buNone/>
           <a:tabLst/>
-          <a:defRPr b="0" baseline="0" cap="none" i="0" spc="0" strike="noStrike" sz="1800" u="none" kumimoji="0" normalizeH="0">
+          <a:defRPr kumimoji="0" sz="1800" b="0" i="0" u="none" strike="noStrike" cap="none" spc="0" normalizeH="0" baseline="0">
             <a:ln>
               <a:noFill/>
             </a:ln>
@@ -6641,7 +6995,7 @@
           <a:buFontTx/>
           <a:buNone/>
           <a:tabLst/>
-          <a:defRPr b="0" baseline="0" cap="none" i="0" spc="0" strike="noStrike" sz="1800" u="none" kumimoji="0" normalizeH="0">
+          <a:defRPr kumimoji="0" sz="1800" b="0" i="0" u="none" strike="noStrike" cap="none" spc="0" normalizeH="0" baseline="0">
             <a:ln>
               <a:noFill/>
             </a:ln>
@@ -6667,7 +7021,7 @@
           <a:buFontTx/>
           <a:buNone/>
           <a:tabLst/>
-          <a:defRPr b="0" baseline="0" cap="none" i="0" spc="0" strike="noStrike" sz="1800" u="none" kumimoji="0" normalizeH="0">
+          <a:defRPr kumimoji="0" sz="1800" b="0" i="0" u="none" strike="noStrike" cap="none" spc="0" normalizeH="0" baseline="0">
             <a:ln>
               <a:noFill/>
             </a:ln>
@@ -6693,7 +7047,7 @@
           <a:buFontTx/>
           <a:buNone/>
           <a:tabLst/>
-          <a:defRPr b="0" baseline="0" cap="none" i="0" spc="0" strike="noStrike" sz="1800" u="none" kumimoji="0" normalizeH="0">
+          <a:defRPr kumimoji="0" sz="1800" b="0" i="0" u="none" strike="noStrike" cap="none" spc="0" normalizeH="0" baseline="0">
             <a:ln>
               <a:noFill/>
             </a:ln>
@@ -6706,9 +7060,15 @@
         </a:lvl9pPr>
       </a:lstStyle>
       <a:style>
-        <a:lnRef idx="0"/>
-        <a:fillRef idx="0"/>
-        <a:effectRef idx="0"/>
+        <a:lnRef idx="0">
+          <a:scrgbClr r="0" g="0" b="0"/>
+        </a:lnRef>
+        <a:fillRef idx="0">
+          <a:scrgbClr r="0" g="0" b="0"/>
+        </a:fillRef>
+        <a:effectRef idx="0">
+          <a:scrgbClr r="0" g="0" b="0"/>
+        </a:effectRef>
         <a:fontRef idx="none"/>
       </a:style>
     </a:spDef>
@@ -6725,7 +7085,7 @@
         <a:effectLst/>
         <a:sp3d/>
       </a:spPr>
-      <a:bodyPr rot="0" spcFirstLastPara="1" vertOverflow="overflow" horzOverflow="overflow" vert="horz" wrap="square" lIns="91439" tIns="45719" rIns="91439" bIns="45719" numCol="1" spcCol="38100" rtlCol="0" anchor="t" upright="0">
+      <a:bodyPr rot="0" spcFirstLastPara="1" vertOverflow="overflow" horzOverflow="overflow" vert="horz" wrap="square" lIns="91439" tIns="45719" rIns="91439" bIns="45719" numCol="1" spcCol="38100" rtlCol="0" anchor="t">
         <a:noAutofit/>
       </a:bodyPr>
       <a:lstStyle>
@@ -6744,7 +7104,7 @@
           <a:buFontTx/>
           <a:buNone/>
           <a:tabLst/>
-          <a:defRPr b="0" baseline="0" cap="none" i="0" spc="0" strike="noStrike" sz="1800" u="none" kumimoji="0" normalizeH="0">
+          <a:defRPr kumimoji="0" sz="1800" b="0" i="0" u="none" strike="noStrike" cap="none" spc="0" normalizeH="0" baseline="0">
             <a:ln>
               <a:noFill/>
             </a:ln>
@@ -6770,7 +7130,7 @@
           <a:buFontTx/>
           <a:buNone/>
           <a:tabLst/>
-          <a:defRPr b="0" baseline="0" cap="none" i="0" spc="0" strike="noStrike" sz="1800" u="none" kumimoji="0" normalizeH="0">
+          <a:defRPr kumimoji="0" sz="1800" b="0" i="0" u="none" strike="noStrike" cap="none" spc="0" normalizeH="0" baseline="0">
             <a:ln>
               <a:noFill/>
             </a:ln>
@@ -6796,7 +7156,7 @@
           <a:buFontTx/>
           <a:buNone/>
           <a:tabLst/>
-          <a:defRPr b="0" baseline="0" cap="none" i="0" spc="0" strike="noStrike" sz="1800" u="none" kumimoji="0" normalizeH="0">
+          <a:defRPr kumimoji="0" sz="1800" b="0" i="0" u="none" strike="noStrike" cap="none" spc="0" normalizeH="0" baseline="0">
             <a:ln>
               <a:noFill/>
             </a:ln>
@@ -6822,7 +7182,7 @@
           <a:buFontTx/>
           <a:buNone/>
           <a:tabLst/>
-          <a:defRPr b="0" baseline="0" cap="none" i="0" spc="0" strike="noStrike" sz="1800" u="none" kumimoji="0" normalizeH="0">
+          <a:defRPr kumimoji="0" sz="1800" b="0" i="0" u="none" strike="noStrike" cap="none" spc="0" normalizeH="0" baseline="0">
             <a:ln>
               <a:noFill/>
             </a:ln>
@@ -6848,7 +7208,7 @@
           <a:buFontTx/>
           <a:buNone/>
           <a:tabLst/>
-          <a:defRPr b="0" baseline="0" cap="none" i="0" spc="0" strike="noStrike" sz="1800" u="none" kumimoji="0" normalizeH="0">
+          <a:defRPr kumimoji="0" sz="1800" b="0" i="0" u="none" strike="noStrike" cap="none" spc="0" normalizeH="0" baseline="0">
             <a:ln>
               <a:noFill/>
             </a:ln>
@@ -6874,7 +7234,7 @@
           <a:buFontTx/>
           <a:buNone/>
           <a:tabLst/>
-          <a:defRPr b="0" baseline="0" cap="none" i="0" spc="0" strike="noStrike" sz="1800" u="none" kumimoji="0" normalizeH="0">
+          <a:defRPr kumimoji="0" sz="1800" b="0" i="0" u="none" strike="noStrike" cap="none" spc="0" normalizeH="0" baseline="0">
             <a:ln>
               <a:noFill/>
             </a:ln>
@@ -6900,7 +7260,7 @@
           <a:buFontTx/>
           <a:buNone/>
           <a:tabLst/>
-          <a:defRPr b="0" baseline="0" cap="none" i="0" spc="0" strike="noStrike" sz="1800" u="none" kumimoji="0" normalizeH="0">
+          <a:defRPr kumimoji="0" sz="1800" b="0" i="0" u="none" strike="noStrike" cap="none" spc="0" normalizeH="0" baseline="0">
             <a:ln>
               <a:noFill/>
             </a:ln>
@@ -6926,7 +7286,7 @@
           <a:buFontTx/>
           <a:buNone/>
           <a:tabLst/>
-          <a:defRPr b="0" baseline="0" cap="none" i="0" spc="0" strike="noStrike" sz="1800" u="none" kumimoji="0" normalizeH="0">
+          <a:defRPr kumimoji="0" sz="1800" b="0" i="0" u="none" strike="noStrike" cap="none" spc="0" normalizeH="0" baseline="0">
             <a:ln>
               <a:noFill/>
             </a:ln>
@@ -6952,7 +7312,7 @@
           <a:buFontTx/>
           <a:buNone/>
           <a:tabLst/>
-          <a:defRPr b="0" baseline="0" cap="none" i="0" spc="0" strike="noStrike" sz="1800" u="none" kumimoji="0" normalizeH="0">
+          <a:defRPr kumimoji="0" sz="1800" b="0" i="0" u="none" strike="noStrike" cap="none" spc="0" normalizeH="0" baseline="0">
             <a:ln>
               <a:noFill/>
             </a:ln>
@@ -6978,7 +7338,7 @@
           <a:buFontTx/>
           <a:buNone/>
           <a:tabLst/>
-          <a:defRPr b="0" baseline="0" cap="none" i="0" spc="0" strike="noStrike" sz="1800" u="none" kumimoji="0" normalizeH="0">
+          <a:defRPr kumimoji="0" sz="1800" b="0" i="0" u="none" strike="noStrike" cap="none" spc="0" normalizeH="0" baseline="0">
             <a:ln>
               <a:noFill/>
             </a:ln>
@@ -6991,9 +7351,15 @@
         </a:lvl9pPr>
       </a:lstStyle>
       <a:style>
-        <a:lnRef idx="0"/>
-        <a:fillRef idx="0"/>
-        <a:effectRef idx="0"/>
+        <a:lnRef idx="0">
+          <a:scrgbClr r="0" g="0" b="0"/>
+        </a:lnRef>
+        <a:fillRef idx="0">
+          <a:scrgbClr r="0" g="0" b="0"/>
+        </a:fillRef>
+        <a:effectRef idx="0">
+          <a:scrgbClr r="0" g="0" b="0"/>
+        </a:effectRef>
         <a:fontRef idx="none"/>
       </a:style>
     </a:lnDef>
@@ -7007,7 +7373,7 @@
         <a:effectLst/>
         <a:sp3d/>
       </a:spPr>
-      <a:bodyPr rot="0" spcFirstLastPara="1" vertOverflow="overflow" horzOverflow="overflow" vert="horz" wrap="square" lIns="50800" tIns="50800" rIns="50800" bIns="50800" numCol="1" spcCol="38100" rtlCol="0" anchor="ctr" upright="0">
+      <a:bodyPr rot="0" spcFirstLastPara="1" vertOverflow="overflow" horzOverflow="overflow" vert="horz" wrap="square" lIns="50800" tIns="50800" rIns="50800" bIns="50800" numCol="1" spcCol="38100" rtlCol="0" anchor="ctr">
         <a:spAutoFit/>
       </a:bodyPr>
       <a:lstStyle>
@@ -7026,7 +7392,7 @@
           <a:buFontTx/>
           <a:buNone/>
           <a:tabLst/>
-          <a:defRPr b="0" baseline="0" cap="none" i="0" spc="0" strike="noStrike" sz="3200" u="none" kumimoji="0" normalizeH="0">
+          <a:defRPr kumimoji="0" sz="3200" b="0" i="0" u="none" strike="noStrike" cap="none" spc="0" normalizeH="0" baseline="0">
             <a:ln>
               <a:noFill/>
             </a:ln>
@@ -7056,7 +7422,7 @@
           <a:buFontTx/>
           <a:buNone/>
           <a:tabLst/>
-          <a:defRPr b="0" baseline="0" cap="none" i="0" spc="0" strike="noStrike" sz="1800" u="none" kumimoji="0" normalizeH="0">
+          <a:defRPr kumimoji="0" sz="1800" b="0" i="0" u="none" strike="noStrike" cap="none" spc="0" normalizeH="0" baseline="0">
             <a:ln>
               <a:noFill/>
             </a:ln>
@@ -7082,7 +7448,7 @@
           <a:buFontTx/>
           <a:buNone/>
           <a:tabLst/>
-          <a:defRPr b="0" baseline="0" cap="none" i="0" spc="0" strike="noStrike" sz="1800" u="none" kumimoji="0" normalizeH="0">
+          <a:defRPr kumimoji="0" sz="1800" b="0" i="0" u="none" strike="noStrike" cap="none" spc="0" normalizeH="0" baseline="0">
             <a:ln>
               <a:noFill/>
             </a:ln>
@@ -7108,7 +7474,7 @@
           <a:buFontTx/>
           <a:buNone/>
           <a:tabLst/>
-          <a:defRPr b="0" baseline="0" cap="none" i="0" spc="0" strike="noStrike" sz="1800" u="none" kumimoji="0" normalizeH="0">
+          <a:defRPr kumimoji="0" sz="1800" b="0" i="0" u="none" strike="noStrike" cap="none" spc="0" normalizeH="0" baseline="0">
             <a:ln>
               <a:noFill/>
             </a:ln>
@@ -7134,7 +7500,7 @@
           <a:buFontTx/>
           <a:buNone/>
           <a:tabLst/>
-          <a:defRPr b="0" baseline="0" cap="none" i="0" spc="0" strike="noStrike" sz="1800" u="none" kumimoji="0" normalizeH="0">
+          <a:defRPr kumimoji="0" sz="1800" b="0" i="0" u="none" strike="noStrike" cap="none" spc="0" normalizeH="0" baseline="0">
             <a:ln>
               <a:noFill/>
             </a:ln>
@@ -7160,7 +7526,7 @@
           <a:buFontTx/>
           <a:buNone/>
           <a:tabLst/>
-          <a:defRPr b="0" baseline="0" cap="none" i="0" spc="0" strike="noStrike" sz="1800" u="none" kumimoji="0" normalizeH="0">
+          <a:defRPr kumimoji="0" sz="1800" b="0" i="0" u="none" strike="noStrike" cap="none" spc="0" normalizeH="0" baseline="0">
             <a:ln>
               <a:noFill/>
             </a:ln>
@@ -7186,7 +7552,7 @@
           <a:buFontTx/>
           <a:buNone/>
           <a:tabLst/>
-          <a:defRPr b="0" baseline="0" cap="none" i="0" spc="0" strike="noStrike" sz="1800" u="none" kumimoji="0" normalizeH="0">
+          <a:defRPr kumimoji="0" sz="1800" b="0" i="0" u="none" strike="noStrike" cap="none" spc="0" normalizeH="0" baseline="0">
             <a:ln>
               <a:noFill/>
             </a:ln>
@@ -7212,7 +7578,7 @@
           <a:buFontTx/>
           <a:buNone/>
           <a:tabLst/>
-          <a:defRPr b="0" baseline="0" cap="none" i="0" spc="0" strike="noStrike" sz="1800" u="none" kumimoji="0" normalizeH="0">
+          <a:defRPr kumimoji="0" sz="1800" b="0" i="0" u="none" strike="noStrike" cap="none" spc="0" normalizeH="0" baseline="0">
             <a:ln>
               <a:noFill/>
             </a:ln>
@@ -7238,7 +7604,7 @@
           <a:buFontTx/>
           <a:buNone/>
           <a:tabLst/>
-          <a:defRPr b="0" baseline="0" cap="none" i="0" spc="0" strike="noStrike" sz="1800" u="none" kumimoji="0" normalizeH="0">
+          <a:defRPr kumimoji="0" sz="1800" b="0" i="0" u="none" strike="noStrike" cap="none" spc="0" normalizeH="0" baseline="0">
             <a:ln>
               <a:noFill/>
             </a:ln>
@@ -7264,7 +7630,7 @@
           <a:buFontTx/>
           <a:buNone/>
           <a:tabLst/>
-          <a:defRPr b="0" baseline="0" cap="none" i="0" spc="0" strike="noStrike" sz="1800" u="none" kumimoji="0" normalizeH="0">
+          <a:defRPr kumimoji="0" sz="1800" b="0" i="0" u="none" strike="noStrike" cap="none" spc="0" normalizeH="0" baseline="0">
             <a:ln>
               <a:noFill/>
             </a:ln>
@@ -7277,12 +7643,19 @@
         </a:lvl9pPr>
       </a:lstStyle>
       <a:style>
-        <a:lnRef idx="0"/>
-        <a:fillRef idx="0"/>
-        <a:effectRef idx="0"/>
+        <a:lnRef idx="0">
+          <a:scrgbClr r="0" g="0" b="0"/>
+        </a:lnRef>
+        <a:fillRef idx="0">
+          <a:scrgbClr r="0" g="0" b="0"/>
+        </a:fillRef>
+        <a:effectRef idx="0">
+          <a:scrgbClr r="0" g="0" b="0"/>
+        </a:effectRef>
         <a:fontRef idx="none"/>
       </a:style>
     </a:txDef>
   </a:objectDefaults>
+  <a:extraClrSchemeLst/>
 </a:theme>
 </file>
--- a/PPTs/SIH Presentation Template.pptx
+++ b/PPTs/SIH Presentation Template.pptx
@@ -322,6 +322,11 @@
       </a:defRPr>
     </a:lvl9pPr>
   </p:defaultTextStyle>
+  <p:extLst>
+    <p:ext uri="{EFAFB233-063F-42B5-8137-9DF3F51BA10A}">
+      <p15:sldGuideLst xmlns:p15="http://schemas.microsoft.com/office/powerpoint/2012/main"/>
+    </p:ext>
+  </p:extLst>
 </p:presentation>
 </file>
 
@@ -3049,7 +3054,7 @@
           </a:ln>
           <a:extLst>
             <a:ext uri="{C572A759-6A51-4108-AA02-DFA0A04FC94B}">
-              <ma14:wrappingTextBoxFlag xmlns:ma14="http://schemas.microsoft.com/office/mac/drawingml/2011/main" xmlns:a14="http://schemas.microsoft.com/office/drawing/2010/main" xmlns:m="http://schemas.openxmlformats.org/officeDocument/2006/math" xmlns="" val="1"/>
+              <ma14:wrappingTextBoxFlag xmlns="" xmlns:m="http://schemas.openxmlformats.org/officeDocument/2006/math" xmlns:a14="http://schemas.microsoft.com/office/drawing/2010/main" xmlns:ma14="http://schemas.microsoft.com/office/mac/drawingml/2011/main" val="1"/>
             </a:ext>
           </a:extLst>
         </p:spPr>
@@ -3088,7 +3093,7 @@
           </a:ln>
           <a:extLst>
             <a:ext uri="{C572A759-6A51-4108-AA02-DFA0A04FC94B}">
-              <ma14:wrappingTextBoxFlag xmlns:ma14="http://schemas.microsoft.com/office/mac/drawingml/2011/main" xmlns:a14="http://schemas.microsoft.com/office/drawing/2010/main" xmlns:m="http://schemas.openxmlformats.org/officeDocument/2006/math" xmlns="" val="1"/>
+              <ma14:wrappingTextBoxFlag xmlns="" xmlns:m="http://schemas.openxmlformats.org/officeDocument/2006/math" xmlns:a14="http://schemas.microsoft.com/office/drawing/2010/main" xmlns:ma14="http://schemas.microsoft.com/office/mac/drawingml/2011/main" val="1"/>
             </a:ext>
           </a:extLst>
         </p:spPr>
@@ -3981,15 +3986,14 @@
           <a:bodyPr/>
           <a:lstStyle/>
           <a:p>
-            <a:pPr marL="363070" indent="-363070" defTabSz="445770">
+            <a:pPr marL="0" indent="0" defTabSz="445770">
               <a:spcBef>
                 <a:spcPts val="0"/>
               </a:spcBef>
+              <a:buNone/>
               <a:defRPr sz="2700"/>
             </a:pPr>
-            <a:r>
-              <a:t>Background : </a:t>
-            </a:r>
+            <a:endParaRPr dirty="0"/>
           </a:p>
           <a:p>
             <a:pPr marL="363070" indent="-363070" defTabSz="445770">
@@ -3999,6 +4003,7 @@
               <a:defRPr sz="2700"/>
             </a:pPr>
             <a:r>
+              <a:rPr dirty="0"/>
               <a:t>Record : Our team has created many projects before, some of them are : -</a:t>
             </a:r>
           </a:p>
@@ -4010,12 +4015,37 @@
               <a:defRPr sz="2700"/>
             </a:pPr>
             <a:r>
+              <a:rPr dirty="0"/>
               <a:t>Berries</a:t>
             </a:r>
-            <a:br/>
-            <a:r>
-              <a:t>https://github.com/itsnotpavani/berries.git</a:t>
-            </a:r>
+            <a:br>
+              <a:rPr dirty="0"/>
+            </a:br>
+            <a:r>
+              <a:rPr dirty="0"/>
+              <a:t>https://</a:t>
+            </a:r>
+            <a:r>
+              <a:rPr dirty="0" err="1"/>
+              <a:t>github.com</a:t>
+            </a:r>
+            <a:r>
+              <a:rPr dirty="0"/>
+              <a:t>/</a:t>
+            </a:r>
+            <a:r>
+              <a:rPr dirty="0" err="1"/>
+              <a:t>itsnotpavani</a:t>
+            </a:r>
+            <a:r>
+              <a:rPr dirty="0"/>
+              <a:t>/</a:t>
+            </a:r>
+            <a:r>
+              <a:rPr dirty="0" err="1"/>
+              <a:t>berries.git</a:t>
+            </a:r>
+            <a:endParaRPr dirty="0"/>
           </a:p>
           <a:p>
             <a:pPr marL="363070" indent="-363070" defTabSz="445770">
@@ -4025,12 +4055,41 @@
               <a:defRPr sz="2700"/>
             </a:pPr>
             <a:r>
-              <a:t>WeatherApp (Voice Utility)</a:t>
-            </a:r>
-            <a:br/>
-            <a:r>
-              <a:t>https://github.com/itsnotpavani/weatherApp.git</a:t>
-            </a:r>
+              <a:rPr dirty="0" err="1"/>
+              <a:t>WeatherApp</a:t>
+            </a:r>
+            <a:r>
+              <a:rPr dirty="0"/>
+              <a:t> (Voice Utility)</a:t>
+            </a:r>
+            <a:br>
+              <a:rPr dirty="0"/>
+            </a:br>
+            <a:r>
+              <a:rPr dirty="0"/>
+              <a:t>https://</a:t>
+            </a:r>
+            <a:r>
+              <a:rPr dirty="0" err="1"/>
+              <a:t>github.com</a:t>
+            </a:r>
+            <a:r>
+              <a:rPr dirty="0"/>
+              <a:t>/</a:t>
+            </a:r>
+            <a:r>
+              <a:rPr dirty="0" err="1"/>
+              <a:t>itsnotpavani</a:t>
+            </a:r>
+            <a:r>
+              <a:rPr dirty="0"/>
+              <a:t>/</a:t>
+            </a:r>
+            <a:r>
+              <a:rPr dirty="0" err="1"/>
+              <a:t>weatherApp.git</a:t>
+            </a:r>
+            <a:endParaRPr dirty="0"/>
           </a:p>
           <a:p>
             <a:pPr marL="363070" indent="-363070" defTabSz="445770">
@@ -4040,16 +4099,20 @@
               <a:defRPr sz="2700"/>
             </a:pPr>
             <a:r>
+              <a:rPr dirty="0" err="1"/>
               <a:t>VibeMe</a:t>
             </a:r>
-            <a:br/>
-            <a:r>
-              <a:rPr u="sng">
+            <a:br>
+              <a:rPr dirty="0"/>
+            </a:br>
+            <a:r>
+              <a:rPr u="sng" dirty="0">
                 <a:hlinkClick r:id="rId2"/>
               </a:rPr>
               <a:t>http://vibeme.herokuapp.com</a:t>
             </a:r>
             <a:r>
+              <a:rPr dirty="0"/>
               <a:t> </a:t>
             </a:r>
           </a:p>
@@ -4061,7 +4124,32 @@
               <a:defRPr sz="2700"/>
             </a:pPr>
             <a:r>
-              <a:t>Contributed in google/WebFundamentals (github.com/google/WebFundamentals/pull/9445) repository, pull request #9445</a:t>
+              <a:rPr dirty="0"/>
+              <a:t>Contributed in google/</a:t>
+            </a:r>
+            <a:r>
+              <a:rPr dirty="0" err="1"/>
+              <a:t>WebFundamentals</a:t>
+            </a:r>
+            <a:r>
+              <a:rPr dirty="0"/>
+              <a:t> (</a:t>
+            </a:r>
+            <a:r>
+              <a:rPr dirty="0" err="1"/>
+              <a:t>github.com</a:t>
+            </a:r>
+            <a:r>
+              <a:rPr dirty="0"/>
+              <a:t>/google/</a:t>
+            </a:r>
+            <a:r>
+              <a:rPr dirty="0" err="1"/>
+              <a:t>WebFundamentals</a:t>
+            </a:r>
+            <a:r>
+              <a:rPr dirty="0"/>
+              <a:t>/pull/9445) repository, pull request #9445</a:t>
             </a:r>
           </a:p>
           <a:p>
@@ -4072,7 +4160,16 @@
               <a:defRPr sz="2700"/>
             </a:pPr>
             <a:r>
-              <a:t>vision to succeed : Being the students of a college which provides courses on different fields, it is necessary to have some background knowledge on these fields and the aspects they offer, to choose wisely the course which suits us best. To overcome this problem efficiently we are trying to create a dashboard, which will help us to compare various courses of different colleges, to optimise your decision for choosing a course. Our team has worked together previously on some projects, which have set us on our path to develop something beneficial for college youth. </a:t>
+              <a:rPr dirty="0"/>
+              <a:t>vision to succeed : Being the students of a college which provides courses on different fields, it is necessary to have some background knowledge on these fields and the aspects they offer, to choose wisely the course which suits us best. To overcome this problem efficiently we are trying to create a dashboard, which will help us to compare various courses of different colleges, to </a:t>
+            </a:r>
+            <a:r>
+              <a:rPr dirty="0" err="1"/>
+              <a:t>optimise</a:t>
+            </a:r>
+            <a:r>
+              <a:rPr dirty="0"/>
+              <a:t> your decision for choosing a course. Our team has worked together previously on some projects, which have set us on our path to develop something beneficial for college youth. </a:t>
             </a:r>
           </a:p>
           <a:p>
@@ -4083,6 +4180,7 @@
               <a:defRPr sz="2700"/>
             </a:pPr>
             <a:r>
+              <a:rPr dirty="0"/>
               <a:t>Vision/Mission : Our vision is simple, we want to make a non-profit platform accessible to youth and students who are looking up for their career choices and which college or course suits them best.</a:t>
             </a:r>
           </a:p>
